--- a/simulation/Simulation.pptx
+++ b/simulation/Simulation.pptx
@@ -5,19 +5,23 @@
     <p:sldMasterId id="2147483648" r:id="rId1"/>
   </p:sldMasterIdLst>
   <p:notesMasterIdLst>
-    <p:notesMasterId r:id="rId12"/>
+    <p:notesMasterId r:id="rId16"/>
   </p:notesMasterIdLst>
   <p:sldIdLst>
-    <p:sldId id="256" r:id="rId2"/>
-    <p:sldId id="260" r:id="rId3"/>
-    <p:sldId id="257" r:id="rId4"/>
-    <p:sldId id="263" r:id="rId5"/>
-    <p:sldId id="259" r:id="rId6"/>
-    <p:sldId id="264" r:id="rId7"/>
-    <p:sldId id="267" r:id="rId8"/>
-    <p:sldId id="268" r:id="rId9"/>
-    <p:sldId id="261" r:id="rId10"/>
-    <p:sldId id="269" r:id="rId11"/>
+    <p:sldId id="270" r:id="rId2"/>
+    <p:sldId id="273" r:id="rId3"/>
+    <p:sldId id="271" r:id="rId4"/>
+    <p:sldId id="272" r:id="rId5"/>
+    <p:sldId id="256" r:id="rId6"/>
+    <p:sldId id="260" r:id="rId7"/>
+    <p:sldId id="257" r:id="rId8"/>
+    <p:sldId id="263" r:id="rId9"/>
+    <p:sldId id="259" r:id="rId10"/>
+    <p:sldId id="264" r:id="rId11"/>
+    <p:sldId id="267" r:id="rId12"/>
+    <p:sldId id="268" r:id="rId13"/>
+    <p:sldId id="261" r:id="rId14"/>
+    <p:sldId id="269" r:id="rId15"/>
   </p:sldIdLst>
   <p:sldSz cx="9144000" cy="6858000" type="screen4x3"/>
   <p:notesSz cx="6858000" cy="9144000"/>
@@ -201,7 +205,7 @@
           <a:p>
             <a:fld id="{FE66E101-0DB5-4DE4-A802-E768D605589D}" type="datetimeFigureOut">
               <a:rPr lang="fr-FR" smtClean="0"/>
-              <a:t>31/08/2017</a:t>
+              <a:t>10/10/2017</a:t>
             </a:fld>
             <a:endParaRPr lang="fr-FR"/>
           </a:p>
@@ -513,6 +517,90 @@
           <a:bodyPr/>
           <a:lstStyle/>
           <a:p>
+            <a:endParaRPr lang="fr-FR" dirty="0"/>
+          </a:p>
+        </p:txBody>
+      </p:sp>
+      <p:sp>
+        <p:nvSpPr>
+          <p:cNvPr id="4" name="Espace réservé du numéro de diapositive 3"/>
+          <p:cNvSpPr>
+            <a:spLocks noGrp="1"/>
+          </p:cNvSpPr>
+          <p:nvPr>
+            <p:ph type="sldNum" sz="quarter" idx="10"/>
+          </p:nvPr>
+        </p:nvSpPr>
+        <p:spPr/>
+        <p:txBody>
+          <a:bodyPr/>
+          <a:lstStyle/>
+          <a:p>
+            <a:fld id="{FAA73E45-9585-40E9-A61B-BEE13BCA3663}" type="slidenum">
+              <a:rPr lang="fr-FR" smtClean="0"/>
+              <a:t>3</a:t>
+            </a:fld>
+            <a:endParaRPr lang="fr-FR"/>
+          </a:p>
+        </p:txBody>
+      </p:sp>
+    </p:spTree>
+    <p:extLst>
+      <p:ext uri="{BB962C8B-B14F-4D97-AF65-F5344CB8AC3E}">
+        <p14:creationId xmlns:p14="http://schemas.microsoft.com/office/powerpoint/2010/main" val="853466100"/>
+      </p:ext>
+    </p:extLst>
+  </p:cSld>
+  <p:clrMapOvr>
+    <a:masterClrMapping/>
+  </p:clrMapOvr>
+</p:notes>
+</file>
+
+<file path=ppt/notesSlides/notesSlide2.xml><?xml version="1.0" encoding="utf-8"?>
+<p:notes xmlns:a="http://schemas.openxmlformats.org/drawingml/2006/main" xmlns:r="http://schemas.openxmlformats.org/officeDocument/2006/relationships" xmlns:p="http://schemas.openxmlformats.org/presentationml/2006/main">
+  <p:cSld>
+    <p:spTree>
+      <p:nvGrpSpPr>
+        <p:cNvPr id="1" name=""/>
+        <p:cNvGrpSpPr/>
+        <p:nvPr/>
+      </p:nvGrpSpPr>
+      <p:grpSpPr>
+        <a:xfrm>
+          <a:off x="0" y="0"/>
+          <a:ext cx="0" cy="0"/>
+          <a:chOff x="0" y="0"/>
+          <a:chExt cx="0" cy="0"/>
+        </a:xfrm>
+      </p:grpSpPr>
+      <p:sp>
+        <p:nvSpPr>
+          <p:cNvPr id="2" name="Espace réservé de l'image des diapositives 1"/>
+          <p:cNvSpPr>
+            <a:spLocks noGrp="1" noRot="1" noChangeAspect="1"/>
+          </p:cNvSpPr>
+          <p:nvPr>
+            <p:ph type="sldImg"/>
+          </p:nvPr>
+        </p:nvSpPr>
+        <p:spPr/>
+      </p:sp>
+      <p:sp>
+        <p:nvSpPr>
+          <p:cNvPr id="3" name="Espace réservé des commentaires 2"/>
+          <p:cNvSpPr>
+            <a:spLocks noGrp="1"/>
+          </p:cNvSpPr>
+          <p:nvPr>
+            <p:ph type="body" idx="1"/>
+          </p:nvPr>
+        </p:nvSpPr>
+        <p:spPr/>
+        <p:txBody>
+          <a:bodyPr/>
+          <a:lstStyle/>
+          <a:p>
             <a:r>
               <a:rPr lang="en-US" dirty="0" smtClean="0"/>
               <a:t>Inverse</a:t>
@@ -704,7 +792,7 @@
           <a:p>
             <a:fld id="{CB2B4895-636F-4789-8DA9-64D7F0A637C6}" type="slidenum">
               <a:rPr lang="fr-FR" smtClean="0"/>
-              <a:t>10</a:t>
+              <a:t>14</a:t>
             </a:fld>
             <a:endParaRPr lang="fr-FR"/>
           </a:p>
@@ -904,7 +992,7 @@
           <a:p>
             <a:fld id="{AA309A6D-C09C-4548-B29A-6CF363A7E532}" type="datetimeFigureOut">
               <a:rPr lang="fr-FR" smtClean="0"/>
-              <a:t>31/08/2017</a:t>
+              <a:t>10/10/2017</a:t>
             </a:fld>
             <a:endParaRPr lang="fr-BE"/>
           </a:p>
@@ -1069,7 +1157,7 @@
           <a:p>
             <a:fld id="{AA309A6D-C09C-4548-B29A-6CF363A7E532}" type="datetimeFigureOut">
               <a:rPr lang="fr-FR" smtClean="0"/>
-              <a:t>31/08/2017</a:t>
+              <a:t>10/10/2017</a:t>
             </a:fld>
             <a:endParaRPr lang="fr-BE"/>
           </a:p>
@@ -1244,7 +1332,7 @@
           <a:p>
             <a:fld id="{AA309A6D-C09C-4548-B29A-6CF363A7E532}" type="datetimeFigureOut">
               <a:rPr lang="fr-FR" smtClean="0"/>
-              <a:t>31/08/2017</a:t>
+              <a:t>10/10/2017</a:t>
             </a:fld>
             <a:endParaRPr lang="fr-BE"/>
           </a:p>
@@ -1409,7 +1497,7 @@
           <a:p>
             <a:fld id="{AA309A6D-C09C-4548-B29A-6CF363A7E532}" type="datetimeFigureOut">
               <a:rPr lang="fr-FR" smtClean="0"/>
-              <a:t>31/08/2017</a:t>
+              <a:t>10/10/2017</a:t>
             </a:fld>
             <a:endParaRPr lang="fr-BE"/>
           </a:p>
@@ -1650,7 +1738,7 @@
           <a:p>
             <a:fld id="{AA309A6D-C09C-4548-B29A-6CF363A7E532}" type="datetimeFigureOut">
               <a:rPr lang="fr-FR" smtClean="0"/>
-              <a:t>31/08/2017</a:t>
+              <a:t>10/10/2017</a:t>
             </a:fld>
             <a:endParaRPr lang="fr-BE"/>
           </a:p>
@@ -1933,7 +2021,7 @@
           <a:p>
             <a:fld id="{AA309A6D-C09C-4548-B29A-6CF363A7E532}" type="datetimeFigureOut">
               <a:rPr lang="fr-FR" smtClean="0"/>
-              <a:t>31/08/2017</a:t>
+              <a:t>10/10/2017</a:t>
             </a:fld>
             <a:endParaRPr lang="fr-BE"/>
           </a:p>
@@ -2350,7 +2438,7 @@
           <a:p>
             <a:fld id="{AA309A6D-C09C-4548-B29A-6CF363A7E532}" type="datetimeFigureOut">
               <a:rPr lang="fr-FR" smtClean="0"/>
-              <a:t>31/08/2017</a:t>
+              <a:t>10/10/2017</a:t>
             </a:fld>
             <a:endParaRPr lang="fr-BE"/>
           </a:p>
@@ -2463,7 +2551,7 @@
           <a:p>
             <a:fld id="{AA309A6D-C09C-4548-B29A-6CF363A7E532}" type="datetimeFigureOut">
               <a:rPr lang="fr-FR" smtClean="0"/>
-              <a:t>31/08/2017</a:t>
+              <a:t>10/10/2017</a:t>
             </a:fld>
             <a:endParaRPr lang="fr-BE"/>
           </a:p>
@@ -2553,7 +2641,7 @@
           <a:p>
             <a:fld id="{AA309A6D-C09C-4548-B29A-6CF363A7E532}" type="datetimeFigureOut">
               <a:rPr lang="fr-FR" smtClean="0"/>
-              <a:t>31/08/2017</a:t>
+              <a:t>10/10/2017</a:t>
             </a:fld>
             <a:endParaRPr lang="fr-BE"/>
           </a:p>
@@ -2825,7 +2913,7 @@
           <a:p>
             <a:fld id="{AA309A6D-C09C-4548-B29A-6CF363A7E532}" type="datetimeFigureOut">
               <a:rPr lang="fr-FR" smtClean="0"/>
-              <a:t>31/08/2017</a:t>
+              <a:t>10/10/2017</a:t>
             </a:fld>
             <a:endParaRPr lang="fr-BE"/>
           </a:p>
@@ -3073,7 +3161,7 @@
           <a:p>
             <a:fld id="{AA309A6D-C09C-4548-B29A-6CF363A7E532}" type="datetimeFigureOut">
               <a:rPr lang="fr-FR" smtClean="0"/>
-              <a:t>31/08/2017</a:t>
+              <a:t>10/10/2017</a:t>
             </a:fld>
             <a:endParaRPr lang="fr-BE"/>
           </a:p>
@@ -3281,7 +3369,7 @@
           <a:p>
             <a:fld id="{AA309A6D-C09C-4548-B29A-6CF363A7E532}" type="datetimeFigureOut">
               <a:rPr lang="fr-FR" smtClean="0"/>
-              <a:t>31/08/2017</a:t>
+              <a:t>10/10/2017</a:t>
             </a:fld>
             <a:endParaRPr lang="fr-BE"/>
           </a:p>
@@ -3663,40 +3751,165 @@
         </p:nvSpPr>
         <p:spPr/>
         <p:txBody>
+          <a:bodyPr>
+            <a:normAutofit fontScale="90000"/>
+          </a:bodyPr>
+          <a:lstStyle/>
+          <a:p>
+            <a:r>
+              <a:rPr lang="en-US" b="1" dirty="0" smtClean="0"/>
+              <a:t>Decision-making </a:t>
+            </a:r>
+            <a:r>
+              <a:rPr lang="en-US" b="1" dirty="0"/>
+              <a:t>under a sequential multiple-option choice frame</a:t>
+            </a:r>
+            <a:endParaRPr lang="fr-FR" dirty="0"/>
+          </a:p>
+        </p:txBody>
+      </p:sp>
+      <p:sp>
+        <p:nvSpPr>
+          <p:cNvPr id="3" name="Sous-titre 2"/>
+          <p:cNvSpPr>
+            <a:spLocks noGrp="1"/>
+          </p:cNvSpPr>
+          <p:nvPr>
+            <p:ph type="subTitle" idx="1"/>
+          </p:nvPr>
+        </p:nvSpPr>
+        <p:spPr/>
+        <p:txBody>
           <a:bodyPr/>
           <a:lstStyle/>
           <a:p>
             <a:r>
               <a:rPr lang="en-US" dirty="0" smtClean="0"/>
-              <a:t>Simulation of new task</a:t>
-            </a:r>
-            <a:endParaRPr lang="fr-FR" dirty="0"/>
-          </a:p>
-        </p:txBody>
-      </p:sp>
-      <p:sp>
-        <p:nvSpPr>
-          <p:cNvPr id="3" name="Sous-titre 2"/>
-          <p:cNvSpPr>
-            <a:spLocks noGrp="1"/>
-          </p:cNvSpPr>
-          <p:nvPr>
-            <p:ph type="subTitle" idx="1"/>
-          </p:nvPr>
-        </p:nvSpPr>
-        <p:spPr/>
-        <p:txBody>
-          <a:bodyPr/>
-          <a:lstStyle/>
-          <a:p>
-            <a:endParaRPr lang="fr-FR" dirty="0"/>
+              <a:t>Chen Hu</a:t>
+            </a:r>
+          </a:p>
+          <a:p>
+            <a:r>
+              <a:rPr lang="en-US" sz="1800" dirty="0" smtClean="0"/>
+              <a:t>(lab meeting 11/10/2017)</a:t>
+            </a:r>
+            <a:endParaRPr lang="fr-FR" sz="1800" dirty="0"/>
           </a:p>
         </p:txBody>
       </p:sp>
     </p:spTree>
     <p:extLst>
       <p:ext uri="{BB962C8B-B14F-4D97-AF65-F5344CB8AC3E}">
-        <p14:creationId xmlns:p14="http://schemas.microsoft.com/office/powerpoint/2010/main" val="2925767805"/>
+        <p14:creationId xmlns:p14="http://schemas.microsoft.com/office/powerpoint/2010/main" val="583041264"/>
+      </p:ext>
+    </p:extLst>
+  </p:cSld>
+  <p:clrMapOvr>
+    <a:masterClrMapping/>
+  </p:clrMapOvr>
+</p:sld>
+</file>
+
+<file path=ppt/slides/slide10.xml><?xml version="1.0" encoding="utf-8"?>
+<p:sld xmlns:a="http://schemas.openxmlformats.org/drawingml/2006/main" xmlns:r="http://schemas.openxmlformats.org/officeDocument/2006/relationships" xmlns:p="http://schemas.openxmlformats.org/presentationml/2006/main">
+  <p:cSld>
+    <p:spTree>
+      <p:nvGrpSpPr>
+        <p:cNvPr id="1" name=""/>
+        <p:cNvGrpSpPr/>
+        <p:nvPr/>
+      </p:nvGrpSpPr>
+      <p:grpSpPr>
+        <a:xfrm>
+          <a:off x="0" y="0"/>
+          <a:ext cx="0" cy="0"/>
+          <a:chOff x="0" y="0"/>
+          <a:chExt cx="0" cy="0"/>
+        </a:xfrm>
+      </p:grpSpPr>
+      <p:sp>
+        <p:nvSpPr>
+          <p:cNvPr id="2" name="Titre 1"/>
+          <p:cNvSpPr>
+            <a:spLocks noGrp="1"/>
+          </p:cNvSpPr>
+          <p:nvPr>
+            <p:ph type="title"/>
+          </p:nvPr>
+        </p:nvSpPr>
+        <p:spPr>
+          <a:xfrm>
+            <a:off x="2483768" y="6021288"/>
+            <a:ext cx="6563072" cy="706090"/>
+          </a:xfrm>
+        </p:spPr>
+        <p:txBody>
+          <a:bodyPr>
+            <a:normAutofit/>
+          </a:bodyPr>
+          <a:lstStyle/>
+          <a:p>
+            <a:r>
+              <a:rPr lang="en-US" sz="2400" dirty="0" smtClean="0"/>
+              <a:t>Music (144 items*24 subjects, AL, </a:t>
+            </a:r>
+            <a:r>
+              <a:rPr lang="en-US" sz="2400" dirty="0" err="1" smtClean="0"/>
+              <a:t>def</a:t>
+            </a:r>
+            <a:r>
+              <a:rPr lang="en-US" sz="2400" dirty="0" smtClean="0"/>
+              <a:t> task)</a:t>
+            </a:r>
+            <a:endParaRPr lang="fr-FR" sz="2400" dirty="0"/>
+          </a:p>
+        </p:txBody>
+      </p:sp>
+      <p:pic>
+        <p:nvPicPr>
+          <p:cNvPr id="4098" name="Picture 2" descr="C:\Users\chen.hu\Dropbox\PHD\SDM_behavior\5.tif"/>
+          <p:cNvPicPr>
+            <a:picLocks noChangeAspect="1" noChangeArrowheads="1"/>
+          </p:cNvPicPr>
+          <p:nvPr/>
+        </p:nvPicPr>
+        <p:blipFill>
+          <a:blip r:embed="rId2">
+            <a:extLst>
+              <a:ext uri="{28A0092B-C50C-407E-A947-70E740481C1C}">
+                <a14:useLocalDpi xmlns:a14="http://schemas.microsoft.com/office/drawing/2010/main" val="0"/>
+              </a:ext>
+            </a:extLst>
+          </a:blip>
+          <a:srcRect/>
+          <a:stretch>
+            <a:fillRect/>
+          </a:stretch>
+        </p:blipFill>
+        <p:spPr bwMode="auto">
+          <a:xfrm>
+            <a:off x="2342191" y="1628800"/>
+            <a:ext cx="5334000" cy="4000500"/>
+          </a:xfrm>
+          <a:prstGeom prst="rect">
+            <a:avLst/>
+          </a:prstGeom>
+          <a:noFill/>
+          <a:extLst>
+            <a:ext uri="{909E8E84-426E-40DD-AFC4-6F175D3DCCD1}">
+              <a14:hiddenFill xmlns:a14="http://schemas.microsoft.com/office/drawing/2010/main">
+                <a:solidFill>
+                  <a:srgbClr val="FFFFFF"/>
+                </a:solidFill>
+              </a14:hiddenFill>
+            </a:ext>
+          </a:extLst>
+        </p:spPr>
+      </p:pic>
+    </p:spTree>
+    <p:extLst>
+      <p:ext uri="{BB962C8B-B14F-4D97-AF65-F5344CB8AC3E}">
+        <p14:creationId xmlns:p14="http://schemas.microsoft.com/office/powerpoint/2010/main" val="385233452"/>
       </p:ext>
     </p:extLst>
   </p:cSld>
@@ -3713,7 +3926,389 @@
 </p:sld>
 </file>
 
-<file path=ppt/slides/slide10.xml><?xml version="1.0" encoding="utf-8"?>
+<file path=ppt/slides/slide11.xml><?xml version="1.0" encoding="utf-8"?>
+<p:sld xmlns:a="http://schemas.openxmlformats.org/drawingml/2006/main" xmlns:r="http://schemas.openxmlformats.org/officeDocument/2006/relationships" xmlns:p="http://schemas.openxmlformats.org/presentationml/2006/main">
+  <p:cSld>
+    <p:spTree>
+      <p:nvGrpSpPr>
+        <p:cNvPr id="1" name=""/>
+        <p:cNvGrpSpPr/>
+        <p:nvPr/>
+      </p:nvGrpSpPr>
+      <p:grpSpPr>
+        <a:xfrm>
+          <a:off x="0" y="0"/>
+          <a:ext cx="0" cy="0"/>
+          <a:chOff x="0" y="0"/>
+          <a:chExt cx="0" cy="0"/>
+        </a:xfrm>
+      </p:grpSpPr>
+      <p:sp>
+        <p:nvSpPr>
+          <p:cNvPr id="2" name="Titre 1"/>
+          <p:cNvSpPr>
+            <a:spLocks noGrp="1"/>
+          </p:cNvSpPr>
+          <p:nvPr>
+            <p:ph type="title"/>
+          </p:nvPr>
+        </p:nvSpPr>
+        <p:spPr>
+          <a:xfrm>
+            <a:off x="2483768" y="6021288"/>
+            <a:ext cx="6563072" cy="706090"/>
+          </a:xfrm>
+        </p:spPr>
+        <p:txBody>
+          <a:bodyPr>
+            <a:normAutofit/>
+          </a:bodyPr>
+          <a:lstStyle/>
+          <a:p>
+            <a:r>
+              <a:rPr lang="en-US" sz="2400" dirty="0"/>
+              <a:t>R</a:t>
+            </a:r>
+            <a:r>
+              <a:rPr lang="en-US" sz="2400" dirty="0" smtClean="0"/>
+              <a:t>eading (144 items, AL, </a:t>
+            </a:r>
+            <a:r>
+              <a:rPr lang="en-US" sz="2400" dirty="0" err="1" smtClean="0"/>
+              <a:t>def</a:t>
+            </a:r>
+            <a:r>
+              <a:rPr lang="en-US" sz="2400" dirty="0" smtClean="0"/>
+              <a:t> task)</a:t>
+            </a:r>
+            <a:endParaRPr lang="fr-FR" sz="2400" dirty="0"/>
+          </a:p>
+        </p:txBody>
+      </p:sp>
+      <p:pic>
+        <p:nvPicPr>
+          <p:cNvPr id="1027" name="Picture 3" descr="C:\Users\chen.hu\Desktop\1.tif"/>
+          <p:cNvPicPr>
+            <a:picLocks noChangeAspect="1" noChangeArrowheads="1"/>
+          </p:cNvPicPr>
+          <p:nvPr/>
+        </p:nvPicPr>
+        <p:blipFill>
+          <a:blip r:embed="rId2">
+            <a:extLst>
+              <a:ext uri="{28A0092B-C50C-407E-A947-70E740481C1C}">
+                <a14:useLocalDpi xmlns:a14="http://schemas.microsoft.com/office/drawing/2010/main" val="0"/>
+              </a:ext>
+            </a:extLst>
+          </a:blip>
+          <a:srcRect/>
+          <a:stretch>
+            <a:fillRect/>
+          </a:stretch>
+        </p:blipFill>
+        <p:spPr bwMode="auto">
+          <a:xfrm>
+            <a:off x="179512" y="148304"/>
+            <a:ext cx="8856984" cy="6063878"/>
+          </a:xfrm>
+          <a:prstGeom prst="rect">
+            <a:avLst/>
+          </a:prstGeom>
+          <a:noFill/>
+          <a:extLst>
+            <a:ext uri="{909E8E84-426E-40DD-AFC4-6F175D3DCCD1}">
+              <a14:hiddenFill xmlns:a14="http://schemas.microsoft.com/office/drawing/2010/main">
+                <a:solidFill>
+                  <a:srgbClr val="FFFFFF"/>
+                </a:solidFill>
+              </a14:hiddenFill>
+            </a:ext>
+          </a:extLst>
+        </p:spPr>
+      </p:pic>
+    </p:spTree>
+    <p:extLst>
+      <p:ext uri="{BB962C8B-B14F-4D97-AF65-F5344CB8AC3E}">
+        <p14:creationId xmlns:p14="http://schemas.microsoft.com/office/powerpoint/2010/main" val="1115932389"/>
+      </p:ext>
+    </p:extLst>
+  </p:cSld>
+  <p:clrMapOvr>
+    <a:masterClrMapping/>
+  </p:clrMapOvr>
+  <p:timing>
+    <p:tnLst>
+      <p:par>
+        <p:cTn id="1" dur="indefinite" restart="never" nodeType="tmRoot"/>
+      </p:par>
+    </p:tnLst>
+  </p:timing>
+</p:sld>
+</file>
+
+<file path=ppt/slides/slide12.xml><?xml version="1.0" encoding="utf-8"?>
+<p:sld xmlns:a="http://schemas.openxmlformats.org/drawingml/2006/main" xmlns:r="http://schemas.openxmlformats.org/officeDocument/2006/relationships" xmlns:p="http://schemas.openxmlformats.org/presentationml/2006/main">
+  <p:cSld>
+    <p:spTree>
+      <p:nvGrpSpPr>
+        <p:cNvPr id="1" name=""/>
+        <p:cNvGrpSpPr/>
+        <p:nvPr/>
+      </p:nvGrpSpPr>
+      <p:grpSpPr>
+        <a:xfrm>
+          <a:off x="0" y="0"/>
+          <a:ext cx="0" cy="0"/>
+          <a:chOff x="0" y="0"/>
+          <a:chExt cx="0" cy="0"/>
+        </a:xfrm>
+      </p:grpSpPr>
+      <p:sp>
+        <p:nvSpPr>
+          <p:cNvPr id="2" name="Titre 1"/>
+          <p:cNvSpPr>
+            <a:spLocks noGrp="1"/>
+          </p:cNvSpPr>
+          <p:nvPr>
+            <p:ph type="title"/>
+          </p:nvPr>
+        </p:nvSpPr>
+        <p:spPr>
+          <a:xfrm>
+            <a:off x="2483768" y="6021288"/>
+            <a:ext cx="6563072" cy="706090"/>
+          </a:xfrm>
+        </p:spPr>
+        <p:txBody>
+          <a:bodyPr>
+            <a:normAutofit/>
+          </a:bodyPr>
+          <a:lstStyle/>
+          <a:p>
+            <a:r>
+              <a:rPr lang="en-US" sz="2400" dirty="0" smtClean="0"/>
+              <a:t>Reading (144 items*24 subjects, AL, </a:t>
+            </a:r>
+            <a:r>
+              <a:rPr lang="en-US" sz="2400" dirty="0" err="1" smtClean="0"/>
+              <a:t>def</a:t>
+            </a:r>
+            <a:r>
+              <a:rPr lang="en-US" sz="2400" dirty="0" smtClean="0"/>
+              <a:t> task)</a:t>
+            </a:r>
+            <a:endParaRPr lang="fr-FR" sz="2400" dirty="0"/>
+          </a:p>
+        </p:txBody>
+      </p:sp>
+      <p:pic>
+        <p:nvPicPr>
+          <p:cNvPr id="5122" name="Picture 2" descr="C:\Users\chen.hu\Desktop\6.tif"/>
+          <p:cNvPicPr>
+            <a:picLocks noChangeAspect="1" noChangeArrowheads="1"/>
+          </p:cNvPicPr>
+          <p:nvPr/>
+        </p:nvPicPr>
+        <p:blipFill>
+          <a:blip r:embed="rId2">
+            <a:extLst>
+              <a:ext uri="{28A0092B-C50C-407E-A947-70E740481C1C}">
+                <a14:useLocalDpi xmlns:a14="http://schemas.microsoft.com/office/drawing/2010/main" val="0"/>
+              </a:ext>
+            </a:extLst>
+          </a:blip>
+          <a:srcRect/>
+          <a:stretch>
+            <a:fillRect/>
+          </a:stretch>
+        </p:blipFill>
+        <p:spPr bwMode="auto">
+          <a:xfrm>
+            <a:off x="1691680" y="980728"/>
+            <a:ext cx="5334000" cy="4000500"/>
+          </a:xfrm>
+          <a:prstGeom prst="rect">
+            <a:avLst/>
+          </a:prstGeom>
+          <a:noFill/>
+          <a:extLst>
+            <a:ext uri="{909E8E84-426E-40DD-AFC4-6F175D3DCCD1}">
+              <a14:hiddenFill xmlns:a14="http://schemas.microsoft.com/office/drawing/2010/main">
+                <a:solidFill>
+                  <a:srgbClr val="FFFFFF"/>
+                </a:solidFill>
+              </a14:hiddenFill>
+            </a:ext>
+          </a:extLst>
+        </p:spPr>
+      </p:pic>
+    </p:spTree>
+    <p:extLst>
+      <p:ext uri="{BB962C8B-B14F-4D97-AF65-F5344CB8AC3E}">
+        <p14:creationId xmlns:p14="http://schemas.microsoft.com/office/powerpoint/2010/main" val="3672124066"/>
+      </p:ext>
+    </p:extLst>
+  </p:cSld>
+  <p:clrMapOvr>
+    <a:masterClrMapping/>
+  </p:clrMapOvr>
+  <p:timing>
+    <p:tnLst>
+      <p:par>
+        <p:cTn id="1" dur="indefinite" restart="never" nodeType="tmRoot"/>
+      </p:par>
+    </p:tnLst>
+  </p:timing>
+</p:sld>
+</file>
+
+<file path=ppt/slides/slide13.xml><?xml version="1.0" encoding="utf-8"?>
+<p:sld xmlns:a="http://schemas.openxmlformats.org/drawingml/2006/main" xmlns:r="http://schemas.openxmlformats.org/officeDocument/2006/relationships" xmlns:p="http://schemas.openxmlformats.org/presentationml/2006/main">
+  <p:cSld>
+    <p:spTree>
+      <p:nvGrpSpPr>
+        <p:cNvPr id="1" name=""/>
+        <p:cNvGrpSpPr/>
+        <p:nvPr/>
+      </p:nvGrpSpPr>
+      <p:grpSpPr>
+        <a:xfrm>
+          <a:off x="0" y="0"/>
+          <a:ext cx="0" cy="0"/>
+          <a:chOff x="0" y="0"/>
+          <a:chExt cx="0" cy="0"/>
+        </a:xfrm>
+      </p:grpSpPr>
+      <p:sp>
+        <p:nvSpPr>
+          <p:cNvPr id="3" name="Espace réservé du contenu 2"/>
+          <p:cNvSpPr>
+            <a:spLocks noGrp="1"/>
+          </p:cNvSpPr>
+          <p:nvPr>
+            <p:ph idx="1"/>
+          </p:nvPr>
+        </p:nvSpPr>
+        <p:spPr/>
+        <p:txBody>
+          <a:bodyPr>
+            <a:normAutofit/>
+          </a:bodyPr>
+          <a:lstStyle/>
+          <a:p>
+            <a:r>
+              <a:rPr lang="en-US" sz="2400" dirty="0" smtClean="0"/>
+              <a:t>Simulate the rating as uniformly distributed random integers from 0 to </a:t>
+            </a:r>
+            <a:r>
+              <a:rPr lang="en-US" sz="2400" dirty="0" smtClean="0"/>
+              <a:t>100, with 10% attracted to the 0 point.</a:t>
+            </a:r>
+            <a:endParaRPr lang="en-US" sz="2400" dirty="0" smtClean="0"/>
+          </a:p>
+          <a:p>
+            <a:r>
+              <a:rPr lang="en-US" sz="2400" dirty="0" smtClean="0"/>
+              <a:t>10 </a:t>
+            </a:r>
+            <a:r>
+              <a:rPr lang="en-US" sz="2400" dirty="0" smtClean="0"/>
+              <a:t>categories </a:t>
+            </a:r>
+            <a:r>
+              <a:rPr lang="en-US" sz="2400" dirty="0" smtClean="0"/>
+              <a:t>* 86 items</a:t>
+            </a:r>
+          </a:p>
+          <a:p>
+            <a:r>
+              <a:rPr lang="en-US" sz="2400" dirty="0" smtClean="0"/>
+              <a:t>24 subjects</a:t>
+            </a:r>
+          </a:p>
+          <a:p>
+            <a:r>
+              <a:rPr lang="en-US" sz="2400" dirty="0" smtClean="0"/>
+              <a:t>Simulate </a:t>
+            </a:r>
+            <a:r>
+              <a:rPr lang="en-US" sz="2400" dirty="0" smtClean="0"/>
+              <a:t>the </a:t>
+            </a:r>
+            <a:r>
+              <a:rPr lang="en-US" sz="2400" dirty="0" smtClean="0"/>
+              <a:t>choice: </a:t>
+            </a:r>
+            <a:endParaRPr lang="en-US" sz="2000" dirty="0" smtClean="0"/>
+          </a:p>
+          <a:p>
+            <a:pPr lvl="1"/>
+            <a:r>
+              <a:rPr lang="en-US" sz="2000" dirty="0" smtClean="0"/>
+              <a:t>Using </a:t>
+            </a:r>
+            <a:r>
+              <a:rPr lang="en-US" sz="2000" dirty="0" smtClean="0"/>
+              <a:t>the </a:t>
+            </a:r>
+            <a:r>
+              <a:rPr lang="en-US" sz="2000" dirty="0" smtClean="0"/>
+              <a:t>inverse </a:t>
+            </a:r>
+            <a:r>
+              <a:rPr lang="en-US" sz="2000" dirty="0" smtClean="0"/>
+              <a:t>temperature </a:t>
+            </a:r>
+            <a:r>
+              <a:rPr lang="en-US" sz="2000" dirty="0" smtClean="0"/>
+              <a:t>from </a:t>
+            </a:r>
+            <a:r>
+              <a:rPr lang="en-US" sz="2000" dirty="0" smtClean="0"/>
+              <a:t>the previous study of DV on </a:t>
+            </a:r>
+            <a:r>
+              <a:rPr lang="en-US" sz="2000" dirty="0" smtClean="0"/>
+              <a:t>choice</a:t>
+            </a:r>
+          </a:p>
+          <a:p>
+            <a:pPr lvl="1"/>
+            <a:r>
+              <a:rPr lang="en-US" sz="2000" dirty="0" smtClean="0"/>
+              <a:t>Simulate a range of </a:t>
+            </a:r>
+            <a:endParaRPr lang="en-US" sz="2000" dirty="0" smtClean="0"/>
+          </a:p>
+          <a:p>
+            <a:pPr marL="457200" lvl="1" indent="0">
+              <a:buNone/>
+            </a:pPr>
+            <a:endParaRPr lang="en-US" sz="2000" dirty="0" smtClean="0"/>
+          </a:p>
+        </p:txBody>
+      </p:sp>
+    </p:spTree>
+    <p:extLst>
+      <p:ext uri="{BB962C8B-B14F-4D97-AF65-F5344CB8AC3E}">
+        <p14:creationId xmlns:p14="http://schemas.microsoft.com/office/powerpoint/2010/main" val="2088089718"/>
+      </p:ext>
+    </p:extLst>
+  </p:cSld>
+  <p:clrMapOvr>
+    <a:masterClrMapping/>
+  </p:clrMapOvr>
+  <p:timing>
+    <p:tnLst>
+      <p:par>
+        <p:cTn id="1" dur="indefinite" restart="never" nodeType="tmRoot"/>
+      </p:par>
+    </p:tnLst>
+  </p:timing>
+</p:sld>
+</file>
+
+<file path=ppt/slides/slide14.xml><?xml version="1.0" encoding="utf-8"?>
 <p:sld xmlns:a="http://schemas.openxmlformats.org/drawingml/2006/main" xmlns:r="http://schemas.openxmlformats.org/officeDocument/2006/relationships" xmlns:p="http://schemas.openxmlformats.org/presentationml/2006/main">
   <p:cSld>
     <p:spTree>
@@ -3951,6 +4546,1433 @@
           <a:p>
             <a:r>
               <a:rPr lang="en-US" dirty="0" smtClean="0"/>
+              <a:t>Introduction</a:t>
+            </a:r>
+            <a:endParaRPr lang="fr-FR" dirty="0"/>
+          </a:p>
+        </p:txBody>
+      </p:sp>
+      <p:sp>
+        <p:nvSpPr>
+          <p:cNvPr id="3" name="Espace réservé du contenu 2"/>
+          <p:cNvSpPr>
+            <a:spLocks noGrp="1"/>
+          </p:cNvSpPr>
+          <p:nvPr>
+            <p:ph idx="1"/>
+          </p:nvPr>
+        </p:nvSpPr>
+        <p:spPr/>
+        <p:txBody>
+          <a:bodyPr/>
+          <a:lstStyle/>
+          <a:p>
+            <a:endParaRPr lang="fr-FR" dirty="0"/>
+          </a:p>
+        </p:txBody>
+      </p:sp>
+    </p:spTree>
+    <p:extLst>
+      <p:ext uri="{BB962C8B-B14F-4D97-AF65-F5344CB8AC3E}">
+        <p14:creationId xmlns:p14="http://schemas.microsoft.com/office/powerpoint/2010/main" val="2881268234"/>
+      </p:ext>
+    </p:extLst>
+  </p:cSld>
+  <p:clrMapOvr>
+    <a:masterClrMapping/>
+  </p:clrMapOvr>
+</p:sld>
+</file>
+
+<file path=ppt/slides/slide3.xml><?xml version="1.0" encoding="utf-8"?>
+<p:sld xmlns:a="http://schemas.openxmlformats.org/drawingml/2006/main" xmlns:r="http://schemas.openxmlformats.org/officeDocument/2006/relationships" xmlns:p="http://schemas.openxmlformats.org/presentationml/2006/main">
+  <p:cSld>
+    <p:spTree>
+      <p:nvGrpSpPr>
+        <p:cNvPr id="1" name=""/>
+        <p:cNvGrpSpPr/>
+        <p:nvPr/>
+      </p:nvGrpSpPr>
+      <p:grpSpPr>
+        <a:xfrm>
+          <a:off x="0" y="0"/>
+          <a:ext cx="0" cy="0"/>
+          <a:chOff x="0" y="0"/>
+          <a:chExt cx="0" cy="0"/>
+        </a:xfrm>
+      </p:grpSpPr>
+      <p:sp>
+        <p:nvSpPr>
+          <p:cNvPr id="5" name="Rectangle 4"/>
+          <p:cNvSpPr/>
+          <p:nvPr/>
+        </p:nvSpPr>
+        <p:spPr>
+          <a:xfrm>
+            <a:off x="562875" y="1225221"/>
+            <a:ext cx="954106" cy="504056"/>
+          </a:xfrm>
+          <a:prstGeom prst="rect">
+            <a:avLst/>
+          </a:prstGeom>
+          <a:solidFill>
+            <a:schemeClr val="accent3">
+              <a:lumMod val="20000"/>
+              <a:lumOff val="80000"/>
+            </a:schemeClr>
+          </a:solidFill>
+        </p:spPr>
+        <p:style>
+          <a:lnRef idx="2">
+            <a:schemeClr val="accent1">
+              <a:shade val="50000"/>
+            </a:schemeClr>
+          </a:lnRef>
+          <a:fillRef idx="1">
+            <a:schemeClr val="accent1"/>
+          </a:fillRef>
+          <a:effectRef idx="0">
+            <a:schemeClr val="accent1"/>
+          </a:effectRef>
+          <a:fontRef idx="minor">
+            <a:schemeClr val="lt1"/>
+          </a:fontRef>
+        </p:style>
+        <p:txBody>
+          <a:bodyPr rtlCol="0" anchor="ctr"/>
+          <a:lstStyle/>
+          <a:p>
+            <a:pPr algn="ctr"/>
+            <a:r>
+              <a:rPr lang="en-US" dirty="0" smtClean="0">
+                <a:solidFill>
+                  <a:schemeClr val="tx1"/>
+                </a:solidFill>
+              </a:rPr>
+              <a:t>Practice</a:t>
+            </a:r>
+          </a:p>
+          <a:p>
+            <a:pPr algn="ctr"/>
+            <a:r>
+              <a:rPr lang="en-US" dirty="0" smtClean="0">
+                <a:solidFill>
+                  <a:schemeClr val="tx1"/>
+                </a:solidFill>
+              </a:rPr>
+              <a:t>Rating</a:t>
+            </a:r>
+            <a:endParaRPr lang="fr-FR" dirty="0">
+              <a:solidFill>
+                <a:schemeClr val="tx1"/>
+              </a:solidFill>
+            </a:endParaRPr>
+          </a:p>
+        </p:txBody>
+      </p:sp>
+      <p:sp>
+        <p:nvSpPr>
+          <p:cNvPr id="6" name="Rectangle 5"/>
+          <p:cNvSpPr/>
+          <p:nvPr/>
+        </p:nvSpPr>
+        <p:spPr>
+          <a:xfrm>
+            <a:off x="1534685" y="1225221"/>
+            <a:ext cx="1044116" cy="504056"/>
+          </a:xfrm>
+          <a:prstGeom prst="rect">
+            <a:avLst/>
+          </a:prstGeom>
+          <a:solidFill>
+            <a:schemeClr val="accent3">
+              <a:lumMod val="20000"/>
+              <a:lumOff val="80000"/>
+            </a:schemeClr>
+          </a:solidFill>
+        </p:spPr>
+        <p:style>
+          <a:lnRef idx="2">
+            <a:schemeClr val="accent1">
+              <a:shade val="50000"/>
+            </a:schemeClr>
+          </a:lnRef>
+          <a:fillRef idx="1">
+            <a:schemeClr val="accent1"/>
+          </a:fillRef>
+          <a:effectRef idx="0">
+            <a:schemeClr val="accent1"/>
+          </a:effectRef>
+          <a:fontRef idx="minor">
+            <a:schemeClr val="lt1"/>
+          </a:fontRef>
+        </p:style>
+        <p:txBody>
+          <a:bodyPr rtlCol="0" anchor="ctr"/>
+          <a:lstStyle/>
+          <a:p>
+            <a:pPr algn="ctr"/>
+            <a:r>
+              <a:rPr lang="en-US" dirty="0">
+                <a:solidFill>
+                  <a:schemeClr val="tx1"/>
+                </a:solidFill>
+              </a:rPr>
+              <a:t>Practice</a:t>
+            </a:r>
+          </a:p>
+          <a:p>
+            <a:pPr algn="ctr"/>
+            <a:r>
+              <a:rPr lang="en-US" dirty="0" smtClean="0">
+                <a:solidFill>
+                  <a:schemeClr val="tx1"/>
+                </a:solidFill>
+              </a:rPr>
+              <a:t>Choice</a:t>
+            </a:r>
+            <a:endParaRPr lang="fr-FR" dirty="0">
+              <a:solidFill>
+                <a:schemeClr val="tx1"/>
+              </a:solidFill>
+            </a:endParaRPr>
+          </a:p>
+        </p:txBody>
+      </p:sp>
+      <p:sp>
+        <p:nvSpPr>
+          <p:cNvPr id="11" name="Rectangle 10"/>
+          <p:cNvSpPr/>
+          <p:nvPr/>
+        </p:nvSpPr>
+        <p:spPr>
+          <a:xfrm>
+            <a:off x="1624695" y="3241445"/>
+            <a:ext cx="954106" cy="504056"/>
+          </a:xfrm>
+          <a:prstGeom prst="rect">
+            <a:avLst/>
+          </a:prstGeom>
+          <a:solidFill>
+            <a:schemeClr val="accent4">
+              <a:lumMod val="20000"/>
+              <a:lumOff val="80000"/>
+            </a:schemeClr>
+          </a:solidFill>
+        </p:spPr>
+        <p:style>
+          <a:lnRef idx="2">
+            <a:schemeClr val="accent1">
+              <a:shade val="50000"/>
+            </a:schemeClr>
+          </a:lnRef>
+          <a:fillRef idx="1">
+            <a:schemeClr val="accent1"/>
+          </a:fillRef>
+          <a:effectRef idx="0">
+            <a:schemeClr val="accent1"/>
+          </a:effectRef>
+          <a:fontRef idx="minor">
+            <a:schemeClr val="lt1"/>
+          </a:fontRef>
+        </p:style>
+        <p:txBody>
+          <a:bodyPr rtlCol="0" anchor="ctr"/>
+          <a:lstStyle/>
+          <a:p>
+            <a:pPr algn="ctr"/>
+            <a:r>
+              <a:rPr lang="en-US" dirty="0" smtClean="0">
+                <a:solidFill>
+                  <a:schemeClr val="tx1"/>
+                </a:solidFill>
+              </a:rPr>
+              <a:t>Cate1</a:t>
+            </a:r>
+          </a:p>
+          <a:p>
+            <a:pPr algn="ctr"/>
+            <a:r>
+              <a:rPr lang="en-US" dirty="0" smtClean="0">
+                <a:solidFill>
+                  <a:schemeClr val="tx1"/>
+                </a:solidFill>
+              </a:rPr>
+              <a:t>Choice</a:t>
+            </a:r>
+            <a:endParaRPr lang="fr-FR" dirty="0">
+              <a:solidFill>
+                <a:schemeClr val="tx1"/>
+              </a:solidFill>
+            </a:endParaRPr>
+          </a:p>
+        </p:txBody>
+      </p:sp>
+      <p:sp>
+        <p:nvSpPr>
+          <p:cNvPr id="12" name="Rectangle 11"/>
+          <p:cNvSpPr/>
+          <p:nvPr/>
+        </p:nvSpPr>
+        <p:spPr>
+          <a:xfrm>
+            <a:off x="580579" y="3241445"/>
+            <a:ext cx="1044116" cy="504056"/>
+          </a:xfrm>
+          <a:prstGeom prst="rect">
+            <a:avLst/>
+          </a:prstGeom>
+          <a:solidFill>
+            <a:schemeClr val="accent4">
+              <a:lumMod val="20000"/>
+              <a:lumOff val="80000"/>
+            </a:schemeClr>
+          </a:solidFill>
+        </p:spPr>
+        <p:style>
+          <a:lnRef idx="2">
+            <a:schemeClr val="accent1">
+              <a:shade val="50000"/>
+            </a:schemeClr>
+          </a:lnRef>
+          <a:fillRef idx="1">
+            <a:schemeClr val="accent1"/>
+          </a:fillRef>
+          <a:effectRef idx="0">
+            <a:schemeClr val="accent1"/>
+          </a:effectRef>
+          <a:fontRef idx="minor">
+            <a:schemeClr val="lt1"/>
+          </a:fontRef>
+        </p:style>
+        <p:txBody>
+          <a:bodyPr rtlCol="0" anchor="ctr"/>
+          <a:lstStyle/>
+          <a:p>
+            <a:pPr algn="ctr"/>
+            <a:r>
+              <a:rPr lang="en-US" dirty="0" smtClean="0">
+                <a:solidFill>
+                  <a:schemeClr val="tx1"/>
+                </a:solidFill>
+              </a:rPr>
+              <a:t>Cate1 </a:t>
+            </a:r>
+            <a:endParaRPr lang="en-US" dirty="0">
+              <a:solidFill>
+                <a:schemeClr val="tx1"/>
+              </a:solidFill>
+            </a:endParaRPr>
+          </a:p>
+          <a:p>
+            <a:pPr algn="ctr"/>
+            <a:r>
+              <a:rPr lang="en-US" dirty="0" smtClean="0">
+                <a:solidFill>
+                  <a:schemeClr val="tx1"/>
+                </a:solidFill>
+              </a:rPr>
+              <a:t>Rating</a:t>
+            </a:r>
+            <a:endParaRPr lang="fr-FR" dirty="0">
+              <a:solidFill>
+                <a:schemeClr val="tx1"/>
+              </a:solidFill>
+            </a:endParaRPr>
+          </a:p>
+        </p:txBody>
+      </p:sp>
+      <p:sp>
+        <p:nvSpPr>
+          <p:cNvPr id="13" name="Rectangle 12"/>
+          <p:cNvSpPr/>
+          <p:nvPr/>
+        </p:nvSpPr>
+        <p:spPr>
+          <a:xfrm>
+            <a:off x="1624695" y="5075712"/>
+            <a:ext cx="954106" cy="504056"/>
+          </a:xfrm>
+          <a:prstGeom prst="rect">
+            <a:avLst/>
+          </a:prstGeom>
+          <a:solidFill>
+            <a:schemeClr val="accent4">
+              <a:lumMod val="20000"/>
+              <a:lumOff val="80000"/>
+            </a:schemeClr>
+          </a:solidFill>
+        </p:spPr>
+        <p:style>
+          <a:lnRef idx="2">
+            <a:schemeClr val="accent1">
+              <a:shade val="50000"/>
+            </a:schemeClr>
+          </a:lnRef>
+          <a:fillRef idx="1">
+            <a:schemeClr val="accent1"/>
+          </a:fillRef>
+          <a:effectRef idx="0">
+            <a:schemeClr val="accent1"/>
+          </a:effectRef>
+          <a:fontRef idx="minor">
+            <a:schemeClr val="lt1"/>
+          </a:fontRef>
+        </p:style>
+        <p:txBody>
+          <a:bodyPr rtlCol="0" anchor="ctr"/>
+          <a:lstStyle/>
+          <a:p>
+            <a:pPr algn="ctr"/>
+            <a:r>
+              <a:rPr lang="en-US" dirty="0" smtClean="0">
+                <a:solidFill>
+                  <a:schemeClr val="tx1"/>
+                </a:solidFill>
+              </a:rPr>
+              <a:t>Cate2</a:t>
+            </a:r>
+          </a:p>
+          <a:p>
+            <a:pPr algn="ctr"/>
+            <a:r>
+              <a:rPr lang="en-US" dirty="0" smtClean="0">
+                <a:solidFill>
+                  <a:schemeClr val="tx1"/>
+                </a:solidFill>
+              </a:rPr>
+              <a:t>Choice</a:t>
+            </a:r>
+            <a:endParaRPr lang="fr-FR" dirty="0">
+              <a:solidFill>
+                <a:schemeClr val="tx1"/>
+              </a:solidFill>
+            </a:endParaRPr>
+          </a:p>
+        </p:txBody>
+      </p:sp>
+      <p:sp>
+        <p:nvSpPr>
+          <p:cNvPr id="14" name="Rectangle 13"/>
+          <p:cNvSpPr/>
+          <p:nvPr/>
+        </p:nvSpPr>
+        <p:spPr>
+          <a:xfrm>
+            <a:off x="580579" y="5075712"/>
+            <a:ext cx="1044116" cy="504056"/>
+          </a:xfrm>
+          <a:prstGeom prst="rect">
+            <a:avLst/>
+          </a:prstGeom>
+          <a:solidFill>
+            <a:schemeClr val="accent4">
+              <a:lumMod val="20000"/>
+              <a:lumOff val="80000"/>
+            </a:schemeClr>
+          </a:solidFill>
+        </p:spPr>
+        <p:style>
+          <a:lnRef idx="2">
+            <a:schemeClr val="accent1">
+              <a:shade val="50000"/>
+            </a:schemeClr>
+          </a:lnRef>
+          <a:fillRef idx="1">
+            <a:schemeClr val="accent1"/>
+          </a:fillRef>
+          <a:effectRef idx="0">
+            <a:schemeClr val="accent1"/>
+          </a:effectRef>
+          <a:fontRef idx="minor">
+            <a:schemeClr val="lt1"/>
+          </a:fontRef>
+        </p:style>
+        <p:txBody>
+          <a:bodyPr rtlCol="0" anchor="ctr"/>
+          <a:lstStyle/>
+          <a:p>
+            <a:pPr algn="ctr"/>
+            <a:r>
+              <a:rPr lang="en-US" dirty="0" smtClean="0">
+                <a:solidFill>
+                  <a:schemeClr val="tx1"/>
+                </a:solidFill>
+              </a:rPr>
+              <a:t>Cate2 </a:t>
+            </a:r>
+            <a:endParaRPr lang="en-US" dirty="0">
+              <a:solidFill>
+                <a:schemeClr val="tx1"/>
+              </a:solidFill>
+            </a:endParaRPr>
+          </a:p>
+          <a:p>
+            <a:pPr algn="ctr"/>
+            <a:r>
+              <a:rPr lang="en-US" dirty="0" smtClean="0">
+                <a:solidFill>
+                  <a:schemeClr val="tx1"/>
+                </a:solidFill>
+              </a:rPr>
+              <a:t>Rating</a:t>
+            </a:r>
+            <a:endParaRPr lang="fr-FR" dirty="0">
+              <a:solidFill>
+                <a:schemeClr val="tx1"/>
+              </a:solidFill>
+            </a:endParaRPr>
+          </a:p>
+        </p:txBody>
+      </p:sp>
+      <p:sp>
+        <p:nvSpPr>
+          <p:cNvPr id="15" name="Rectangle 14"/>
+          <p:cNvSpPr/>
+          <p:nvPr/>
+        </p:nvSpPr>
+        <p:spPr>
+          <a:xfrm>
+            <a:off x="5881050" y="1255342"/>
+            <a:ext cx="954106" cy="504056"/>
+          </a:xfrm>
+          <a:prstGeom prst="rect">
+            <a:avLst/>
+          </a:prstGeom>
+          <a:solidFill>
+            <a:schemeClr val="accent4">
+              <a:lumMod val="20000"/>
+              <a:lumOff val="80000"/>
+            </a:schemeClr>
+          </a:solidFill>
+        </p:spPr>
+        <p:style>
+          <a:lnRef idx="2">
+            <a:schemeClr val="accent1">
+              <a:shade val="50000"/>
+            </a:schemeClr>
+          </a:lnRef>
+          <a:fillRef idx="1">
+            <a:schemeClr val="accent1"/>
+          </a:fillRef>
+          <a:effectRef idx="0">
+            <a:schemeClr val="accent1"/>
+          </a:effectRef>
+          <a:fontRef idx="minor">
+            <a:schemeClr val="lt1"/>
+          </a:fontRef>
+        </p:style>
+        <p:txBody>
+          <a:bodyPr rtlCol="0" anchor="ctr"/>
+          <a:lstStyle/>
+          <a:p>
+            <a:pPr algn="ctr"/>
+            <a:r>
+              <a:rPr lang="en-US" dirty="0" smtClean="0">
+                <a:solidFill>
+                  <a:schemeClr val="tx1"/>
+                </a:solidFill>
+              </a:rPr>
+              <a:t>Cate3</a:t>
+            </a:r>
+          </a:p>
+          <a:p>
+            <a:pPr algn="ctr"/>
+            <a:r>
+              <a:rPr lang="en-US" dirty="0" smtClean="0">
+                <a:solidFill>
+                  <a:schemeClr val="tx1"/>
+                </a:solidFill>
+              </a:rPr>
+              <a:t>Choice</a:t>
+            </a:r>
+            <a:endParaRPr lang="fr-FR" dirty="0">
+              <a:solidFill>
+                <a:schemeClr val="tx1"/>
+              </a:solidFill>
+            </a:endParaRPr>
+          </a:p>
+        </p:txBody>
+      </p:sp>
+      <p:sp>
+        <p:nvSpPr>
+          <p:cNvPr id="16" name="Rectangle 15"/>
+          <p:cNvSpPr/>
+          <p:nvPr/>
+        </p:nvSpPr>
+        <p:spPr>
+          <a:xfrm>
+            <a:off x="4836934" y="1255342"/>
+            <a:ext cx="1044116" cy="504056"/>
+          </a:xfrm>
+          <a:prstGeom prst="rect">
+            <a:avLst/>
+          </a:prstGeom>
+          <a:solidFill>
+            <a:schemeClr val="accent4">
+              <a:lumMod val="20000"/>
+              <a:lumOff val="80000"/>
+            </a:schemeClr>
+          </a:solidFill>
+        </p:spPr>
+        <p:style>
+          <a:lnRef idx="2">
+            <a:schemeClr val="accent1">
+              <a:shade val="50000"/>
+            </a:schemeClr>
+          </a:lnRef>
+          <a:fillRef idx="1">
+            <a:schemeClr val="accent1"/>
+          </a:fillRef>
+          <a:effectRef idx="0">
+            <a:schemeClr val="accent1"/>
+          </a:effectRef>
+          <a:fontRef idx="minor">
+            <a:schemeClr val="lt1"/>
+          </a:fontRef>
+        </p:style>
+        <p:txBody>
+          <a:bodyPr rtlCol="0" anchor="ctr"/>
+          <a:lstStyle/>
+          <a:p>
+            <a:pPr algn="ctr"/>
+            <a:r>
+              <a:rPr lang="en-US" dirty="0" smtClean="0">
+                <a:solidFill>
+                  <a:schemeClr val="tx1"/>
+                </a:solidFill>
+              </a:rPr>
+              <a:t>Cate3 </a:t>
+            </a:r>
+            <a:endParaRPr lang="en-US" dirty="0">
+              <a:solidFill>
+                <a:schemeClr val="tx1"/>
+              </a:solidFill>
+            </a:endParaRPr>
+          </a:p>
+          <a:p>
+            <a:pPr algn="ctr"/>
+            <a:r>
+              <a:rPr lang="en-US" dirty="0" smtClean="0">
+                <a:solidFill>
+                  <a:schemeClr val="tx1"/>
+                </a:solidFill>
+              </a:rPr>
+              <a:t>Rating</a:t>
+            </a:r>
+            <a:endParaRPr lang="fr-FR" dirty="0">
+              <a:solidFill>
+                <a:schemeClr val="tx1"/>
+              </a:solidFill>
+            </a:endParaRPr>
+          </a:p>
+        </p:txBody>
+      </p:sp>
+      <p:sp>
+        <p:nvSpPr>
+          <p:cNvPr id="17" name="Rectangle 16"/>
+          <p:cNvSpPr/>
+          <p:nvPr/>
+        </p:nvSpPr>
+        <p:spPr>
+          <a:xfrm>
+            <a:off x="5885216" y="3241445"/>
+            <a:ext cx="954106" cy="504056"/>
+          </a:xfrm>
+          <a:prstGeom prst="rect">
+            <a:avLst/>
+          </a:prstGeom>
+          <a:solidFill>
+            <a:schemeClr val="accent4">
+              <a:lumMod val="20000"/>
+              <a:lumOff val="80000"/>
+            </a:schemeClr>
+          </a:solidFill>
+        </p:spPr>
+        <p:style>
+          <a:lnRef idx="2">
+            <a:schemeClr val="accent1">
+              <a:shade val="50000"/>
+            </a:schemeClr>
+          </a:lnRef>
+          <a:fillRef idx="1">
+            <a:schemeClr val="accent1"/>
+          </a:fillRef>
+          <a:effectRef idx="0">
+            <a:schemeClr val="accent1"/>
+          </a:effectRef>
+          <a:fontRef idx="minor">
+            <a:schemeClr val="lt1"/>
+          </a:fontRef>
+        </p:style>
+        <p:txBody>
+          <a:bodyPr rtlCol="0" anchor="ctr"/>
+          <a:lstStyle/>
+          <a:p>
+            <a:pPr algn="ctr"/>
+            <a:r>
+              <a:rPr lang="en-US" dirty="0" smtClean="0">
+                <a:solidFill>
+                  <a:schemeClr val="tx1"/>
+                </a:solidFill>
+              </a:rPr>
+              <a:t>Cate4</a:t>
+            </a:r>
+          </a:p>
+          <a:p>
+            <a:pPr algn="ctr"/>
+            <a:r>
+              <a:rPr lang="en-US" dirty="0" smtClean="0">
+                <a:solidFill>
+                  <a:schemeClr val="tx1"/>
+                </a:solidFill>
+              </a:rPr>
+              <a:t>Choice</a:t>
+            </a:r>
+            <a:endParaRPr lang="fr-FR" dirty="0">
+              <a:solidFill>
+                <a:schemeClr val="tx1"/>
+              </a:solidFill>
+            </a:endParaRPr>
+          </a:p>
+        </p:txBody>
+      </p:sp>
+      <p:sp>
+        <p:nvSpPr>
+          <p:cNvPr id="18" name="Rectangle 17"/>
+          <p:cNvSpPr/>
+          <p:nvPr/>
+        </p:nvSpPr>
+        <p:spPr>
+          <a:xfrm>
+            <a:off x="4841100" y="3241445"/>
+            <a:ext cx="1044116" cy="504056"/>
+          </a:xfrm>
+          <a:prstGeom prst="rect">
+            <a:avLst/>
+          </a:prstGeom>
+          <a:solidFill>
+            <a:schemeClr val="accent4">
+              <a:lumMod val="20000"/>
+              <a:lumOff val="80000"/>
+            </a:schemeClr>
+          </a:solidFill>
+        </p:spPr>
+        <p:style>
+          <a:lnRef idx="2">
+            <a:schemeClr val="accent1">
+              <a:shade val="50000"/>
+            </a:schemeClr>
+          </a:lnRef>
+          <a:fillRef idx="1">
+            <a:schemeClr val="accent1"/>
+          </a:fillRef>
+          <a:effectRef idx="0">
+            <a:schemeClr val="accent1"/>
+          </a:effectRef>
+          <a:fontRef idx="minor">
+            <a:schemeClr val="lt1"/>
+          </a:fontRef>
+        </p:style>
+        <p:txBody>
+          <a:bodyPr rtlCol="0" anchor="ctr"/>
+          <a:lstStyle/>
+          <a:p>
+            <a:pPr algn="ctr"/>
+            <a:r>
+              <a:rPr lang="en-US" dirty="0" smtClean="0">
+                <a:solidFill>
+                  <a:schemeClr val="tx1"/>
+                </a:solidFill>
+              </a:rPr>
+              <a:t>Cate4 </a:t>
+            </a:r>
+            <a:endParaRPr lang="en-US" dirty="0">
+              <a:solidFill>
+                <a:schemeClr val="tx1"/>
+              </a:solidFill>
+            </a:endParaRPr>
+          </a:p>
+          <a:p>
+            <a:pPr algn="ctr"/>
+            <a:r>
+              <a:rPr lang="en-US" dirty="0" smtClean="0">
+                <a:solidFill>
+                  <a:schemeClr val="tx1"/>
+                </a:solidFill>
+              </a:rPr>
+              <a:t>Rating</a:t>
+            </a:r>
+            <a:endParaRPr lang="fr-FR" dirty="0">
+              <a:solidFill>
+                <a:schemeClr val="tx1"/>
+              </a:solidFill>
+            </a:endParaRPr>
+          </a:p>
+        </p:txBody>
+      </p:sp>
+      <p:sp>
+        <p:nvSpPr>
+          <p:cNvPr id="19" name="Rectangle 18"/>
+          <p:cNvSpPr/>
+          <p:nvPr/>
+        </p:nvSpPr>
+        <p:spPr>
+          <a:xfrm>
+            <a:off x="5885216" y="5075712"/>
+            <a:ext cx="954106" cy="504056"/>
+          </a:xfrm>
+          <a:prstGeom prst="rect">
+            <a:avLst/>
+          </a:prstGeom>
+          <a:solidFill>
+            <a:schemeClr val="accent4">
+              <a:lumMod val="20000"/>
+              <a:lumOff val="80000"/>
+            </a:schemeClr>
+          </a:solidFill>
+        </p:spPr>
+        <p:style>
+          <a:lnRef idx="2">
+            <a:schemeClr val="accent1">
+              <a:shade val="50000"/>
+            </a:schemeClr>
+          </a:lnRef>
+          <a:fillRef idx="1">
+            <a:schemeClr val="accent1"/>
+          </a:fillRef>
+          <a:effectRef idx="0">
+            <a:schemeClr val="accent1"/>
+          </a:effectRef>
+          <a:fontRef idx="minor">
+            <a:schemeClr val="lt1"/>
+          </a:fontRef>
+        </p:style>
+        <p:txBody>
+          <a:bodyPr rtlCol="0" anchor="ctr"/>
+          <a:lstStyle/>
+          <a:p>
+            <a:pPr algn="ctr"/>
+            <a:r>
+              <a:rPr lang="en-US" dirty="0" smtClean="0">
+                <a:solidFill>
+                  <a:schemeClr val="tx1"/>
+                </a:solidFill>
+              </a:rPr>
+              <a:t>Cate5</a:t>
+            </a:r>
+          </a:p>
+          <a:p>
+            <a:pPr algn="ctr"/>
+            <a:r>
+              <a:rPr lang="en-US" dirty="0" smtClean="0">
+                <a:solidFill>
+                  <a:schemeClr val="tx1"/>
+                </a:solidFill>
+              </a:rPr>
+              <a:t>Choice</a:t>
+            </a:r>
+            <a:endParaRPr lang="fr-FR" dirty="0">
+              <a:solidFill>
+                <a:schemeClr val="tx1"/>
+              </a:solidFill>
+            </a:endParaRPr>
+          </a:p>
+        </p:txBody>
+      </p:sp>
+      <p:sp>
+        <p:nvSpPr>
+          <p:cNvPr id="20" name="Rectangle 19"/>
+          <p:cNvSpPr/>
+          <p:nvPr/>
+        </p:nvSpPr>
+        <p:spPr>
+          <a:xfrm>
+            <a:off x="4841100" y="5075712"/>
+            <a:ext cx="1044116" cy="504056"/>
+          </a:xfrm>
+          <a:prstGeom prst="rect">
+            <a:avLst/>
+          </a:prstGeom>
+          <a:solidFill>
+            <a:schemeClr val="accent4">
+              <a:lumMod val="20000"/>
+              <a:lumOff val="80000"/>
+            </a:schemeClr>
+          </a:solidFill>
+        </p:spPr>
+        <p:style>
+          <a:lnRef idx="2">
+            <a:schemeClr val="accent1">
+              <a:shade val="50000"/>
+            </a:schemeClr>
+          </a:lnRef>
+          <a:fillRef idx="1">
+            <a:schemeClr val="accent1"/>
+          </a:fillRef>
+          <a:effectRef idx="0">
+            <a:schemeClr val="accent1"/>
+          </a:effectRef>
+          <a:fontRef idx="minor">
+            <a:schemeClr val="lt1"/>
+          </a:fontRef>
+        </p:style>
+        <p:txBody>
+          <a:bodyPr rtlCol="0" anchor="ctr"/>
+          <a:lstStyle/>
+          <a:p>
+            <a:pPr algn="ctr"/>
+            <a:r>
+              <a:rPr lang="en-US" dirty="0" smtClean="0">
+                <a:solidFill>
+                  <a:schemeClr val="tx1"/>
+                </a:solidFill>
+              </a:rPr>
+              <a:t>Cate5</a:t>
+            </a:r>
+            <a:endParaRPr lang="en-US" dirty="0">
+              <a:solidFill>
+                <a:schemeClr val="tx1"/>
+              </a:solidFill>
+            </a:endParaRPr>
+          </a:p>
+          <a:p>
+            <a:pPr algn="ctr"/>
+            <a:r>
+              <a:rPr lang="en-US" dirty="0" smtClean="0">
+                <a:solidFill>
+                  <a:schemeClr val="tx1"/>
+                </a:solidFill>
+              </a:rPr>
+              <a:t>Rating</a:t>
+            </a:r>
+            <a:endParaRPr lang="fr-FR" dirty="0">
+              <a:solidFill>
+                <a:schemeClr val="tx1"/>
+              </a:solidFill>
+            </a:endParaRPr>
+          </a:p>
+        </p:txBody>
+      </p:sp>
+      <p:pic>
+        <p:nvPicPr>
+          <p:cNvPr id="1029" name="Picture 5" descr="C:\Users\chen.hu\Documents\GitHub\sdm\cate0\cate0_8.jpeg"/>
+          <p:cNvPicPr>
+            <a:picLocks noChangeAspect="1" noChangeArrowheads="1"/>
+          </p:cNvPicPr>
+          <p:nvPr/>
+        </p:nvPicPr>
+        <p:blipFill>
+          <a:blip r:embed="rId3" cstate="print">
+            <a:extLst>
+              <a:ext uri="{28A0092B-C50C-407E-A947-70E740481C1C}">
+                <a14:useLocalDpi xmlns:a14="http://schemas.microsoft.com/office/drawing/2010/main" val="0"/>
+              </a:ext>
+            </a:extLst>
+          </a:blip>
+          <a:srcRect/>
+          <a:stretch>
+            <a:fillRect/>
+          </a:stretch>
+        </p:blipFill>
+        <p:spPr bwMode="auto">
+          <a:xfrm>
+            <a:off x="2869118" y="1015072"/>
+            <a:ext cx="1177902" cy="883018"/>
+          </a:xfrm>
+          <a:prstGeom prst="rect">
+            <a:avLst/>
+          </a:prstGeom>
+          <a:noFill/>
+          <a:extLst>
+            <a:ext uri="{909E8E84-426E-40DD-AFC4-6F175D3DCCD1}">
+              <a14:hiddenFill xmlns:a14="http://schemas.microsoft.com/office/drawing/2010/main">
+                <a:solidFill>
+                  <a:srgbClr val="FFFFFF"/>
+                </a:solidFill>
+              </a14:hiddenFill>
+            </a:ext>
+          </a:extLst>
+        </p:spPr>
+      </p:pic>
+      <p:pic>
+        <p:nvPicPr>
+          <p:cNvPr id="1030" name="Picture 6" descr="C:\Users\chen.hu\Documents\GitHub\sdm\cate1\cate1_10.jpeg"/>
+          <p:cNvPicPr>
+            <a:picLocks noChangeAspect="1" noChangeArrowheads="1"/>
+          </p:cNvPicPr>
+          <p:nvPr/>
+        </p:nvPicPr>
+        <p:blipFill>
+          <a:blip r:embed="rId4" cstate="print">
+            <a:extLst>
+              <a:ext uri="{28A0092B-C50C-407E-A947-70E740481C1C}">
+                <a14:useLocalDpi xmlns:a14="http://schemas.microsoft.com/office/drawing/2010/main" val="0"/>
+              </a:ext>
+            </a:extLst>
+          </a:blip>
+          <a:srcRect/>
+          <a:stretch>
+            <a:fillRect/>
+          </a:stretch>
+        </p:blipFill>
+        <p:spPr bwMode="auto">
+          <a:xfrm>
+            <a:off x="2869118" y="3034554"/>
+            <a:ext cx="1223783" cy="917837"/>
+          </a:xfrm>
+          <a:prstGeom prst="rect">
+            <a:avLst/>
+          </a:prstGeom>
+          <a:noFill/>
+          <a:extLst>
+            <a:ext uri="{909E8E84-426E-40DD-AFC4-6F175D3DCCD1}">
+              <a14:hiddenFill xmlns:a14="http://schemas.microsoft.com/office/drawing/2010/main">
+                <a:solidFill>
+                  <a:srgbClr val="FFFFFF"/>
+                </a:solidFill>
+              </a14:hiddenFill>
+            </a:ext>
+          </a:extLst>
+        </p:spPr>
+      </p:pic>
+      <p:pic>
+        <p:nvPicPr>
+          <p:cNvPr id="1031" name="Picture 7" descr="C:\Users\chen.hu\Documents\GitHub\sdm\cate2\cate2_6.jpeg"/>
+          <p:cNvPicPr>
+            <a:picLocks noChangeAspect="1" noChangeArrowheads="1"/>
+          </p:cNvPicPr>
+          <p:nvPr/>
+        </p:nvPicPr>
+        <p:blipFill>
+          <a:blip r:embed="rId5">
+            <a:extLst>
+              <a:ext uri="{28A0092B-C50C-407E-A947-70E740481C1C}">
+                <a14:useLocalDpi xmlns:a14="http://schemas.microsoft.com/office/drawing/2010/main" val="0"/>
+              </a:ext>
+            </a:extLst>
+          </a:blip>
+          <a:srcRect/>
+          <a:stretch>
+            <a:fillRect/>
+          </a:stretch>
+        </p:blipFill>
+        <p:spPr bwMode="auto">
+          <a:xfrm>
+            <a:off x="2870274" y="4931696"/>
+            <a:ext cx="1248139" cy="936104"/>
+          </a:xfrm>
+          <a:prstGeom prst="rect">
+            <a:avLst/>
+          </a:prstGeom>
+          <a:noFill/>
+          <a:extLst>
+            <a:ext uri="{909E8E84-426E-40DD-AFC4-6F175D3DCCD1}">
+              <a14:hiddenFill xmlns:a14="http://schemas.microsoft.com/office/drawing/2010/main">
+                <a:solidFill>
+                  <a:srgbClr val="FFFFFF"/>
+                </a:solidFill>
+              </a14:hiddenFill>
+            </a:ext>
+          </a:extLst>
+        </p:spPr>
+      </p:pic>
+      <p:pic>
+        <p:nvPicPr>
+          <p:cNvPr id="1032" name="Picture 8" descr="C:\Users\chen.hu\Documents\GitHub\sdm\cate3\cate3_79.jpeg"/>
+          <p:cNvPicPr>
+            <a:picLocks noChangeAspect="1" noChangeArrowheads="1"/>
+          </p:cNvPicPr>
+          <p:nvPr/>
+        </p:nvPicPr>
+        <p:blipFill>
+          <a:blip r:embed="rId6" cstate="print">
+            <a:extLst>
+              <a:ext uri="{28A0092B-C50C-407E-A947-70E740481C1C}">
+                <a14:useLocalDpi xmlns:a14="http://schemas.microsoft.com/office/drawing/2010/main" val="0"/>
+              </a:ext>
+            </a:extLst>
+          </a:blip>
+          <a:srcRect/>
+          <a:stretch>
+            <a:fillRect/>
+          </a:stretch>
+        </p:blipFill>
+        <p:spPr bwMode="auto">
+          <a:xfrm>
+            <a:off x="7550794" y="971525"/>
+            <a:ext cx="1071689" cy="1071689"/>
+          </a:xfrm>
+          <a:prstGeom prst="rect">
+            <a:avLst/>
+          </a:prstGeom>
+          <a:noFill/>
+          <a:extLst>
+            <a:ext uri="{909E8E84-426E-40DD-AFC4-6F175D3DCCD1}">
+              <a14:hiddenFill xmlns:a14="http://schemas.microsoft.com/office/drawing/2010/main">
+                <a:solidFill>
+                  <a:srgbClr val="FFFFFF"/>
+                </a:solidFill>
+              </a14:hiddenFill>
+            </a:ext>
+          </a:extLst>
+        </p:spPr>
+      </p:pic>
+      <p:pic>
+        <p:nvPicPr>
+          <p:cNvPr id="1033" name="Picture 9" descr="C:\Users\chen.hu\Documents\GitHub\sdm\cate4\cate4_11.jpeg"/>
+          <p:cNvPicPr>
+            <a:picLocks noChangeAspect="1" noChangeArrowheads="1"/>
+          </p:cNvPicPr>
+          <p:nvPr/>
+        </p:nvPicPr>
+        <p:blipFill>
+          <a:blip r:embed="rId7" cstate="print">
+            <a:extLst>
+              <a:ext uri="{28A0092B-C50C-407E-A947-70E740481C1C}">
+                <a14:useLocalDpi xmlns:a14="http://schemas.microsoft.com/office/drawing/2010/main" val="0"/>
+              </a:ext>
+            </a:extLst>
+          </a:blip>
+          <a:srcRect/>
+          <a:stretch>
+            <a:fillRect/>
+          </a:stretch>
+        </p:blipFill>
+        <p:spPr bwMode="auto">
+          <a:xfrm>
+            <a:off x="7550794" y="2879913"/>
+            <a:ext cx="1072478" cy="1072478"/>
+          </a:xfrm>
+          <a:prstGeom prst="rect">
+            <a:avLst/>
+          </a:prstGeom>
+          <a:noFill/>
+          <a:extLst>
+            <a:ext uri="{909E8E84-426E-40DD-AFC4-6F175D3DCCD1}">
+              <a14:hiddenFill xmlns:a14="http://schemas.microsoft.com/office/drawing/2010/main">
+                <a:solidFill>
+                  <a:srgbClr val="FFFFFF"/>
+                </a:solidFill>
+              </a14:hiddenFill>
+            </a:ext>
+          </a:extLst>
+        </p:spPr>
+      </p:pic>
+      <p:pic>
+        <p:nvPicPr>
+          <p:cNvPr id="1034" name="Picture 10" descr="C:\Users\chen.hu\Documents\GitHub\sdm\cate5\cate5_23.jpeg"/>
+          <p:cNvPicPr>
+            <a:picLocks noChangeAspect="1" noChangeArrowheads="1"/>
+          </p:cNvPicPr>
+          <p:nvPr/>
+        </p:nvPicPr>
+        <p:blipFill>
+          <a:blip r:embed="rId8">
+            <a:extLst>
+              <a:ext uri="{28A0092B-C50C-407E-A947-70E740481C1C}">
+                <a14:useLocalDpi xmlns:a14="http://schemas.microsoft.com/office/drawing/2010/main" val="0"/>
+              </a:ext>
+            </a:extLst>
+          </a:blip>
+          <a:srcRect/>
+          <a:stretch>
+            <a:fillRect/>
+          </a:stretch>
+        </p:blipFill>
+        <p:spPr bwMode="auto">
+          <a:xfrm>
+            <a:off x="7524328" y="4643664"/>
+            <a:ext cx="1221586" cy="1628781"/>
+          </a:xfrm>
+          <a:prstGeom prst="rect">
+            <a:avLst/>
+          </a:prstGeom>
+          <a:noFill/>
+          <a:extLst>
+            <a:ext uri="{909E8E84-426E-40DD-AFC4-6F175D3DCCD1}">
+              <a14:hiddenFill xmlns:a14="http://schemas.microsoft.com/office/drawing/2010/main">
+                <a:solidFill>
+                  <a:srgbClr val="FFFFFF"/>
+                </a:solidFill>
+              </a14:hiddenFill>
+            </a:ext>
+          </a:extLst>
+        </p:spPr>
+      </p:pic>
+      <p:sp>
+        <p:nvSpPr>
+          <p:cNvPr id="7" name="ZoneTexte 6"/>
+          <p:cNvSpPr txBox="1"/>
+          <p:nvPr/>
+        </p:nvSpPr>
+        <p:spPr>
+          <a:xfrm>
+            <a:off x="985717" y="6093296"/>
+            <a:ext cx="6265392" cy="646331"/>
+          </a:xfrm>
+          <a:prstGeom prst="rect">
+            <a:avLst/>
+          </a:prstGeom>
+          <a:noFill/>
+        </p:spPr>
+        <p:txBody>
+          <a:bodyPr wrap="square" rtlCol="0">
+            <a:spAutoFit/>
+          </a:bodyPr>
+          <a:lstStyle/>
+          <a:p>
+            <a:r>
+              <a:rPr lang="en-US" dirty="0" smtClean="0"/>
+              <a:t>Ratings: 3*3 + 4*4 + 5*5 +6*6 = 86 items per block</a:t>
+            </a:r>
+          </a:p>
+          <a:p>
+            <a:r>
+              <a:rPr lang="en-US" dirty="0" smtClean="0"/>
+              <a:t>Choice:  3 + 4 + 5 + 6 = 18 trials * 4 repetition = 72 per block</a:t>
+            </a:r>
+            <a:endParaRPr lang="fr-FR" dirty="0"/>
+          </a:p>
+        </p:txBody>
+      </p:sp>
+      <p:sp>
+        <p:nvSpPr>
+          <p:cNvPr id="8" name="ZoneTexte 7"/>
+          <p:cNvSpPr txBox="1"/>
+          <p:nvPr/>
+        </p:nvSpPr>
+        <p:spPr>
+          <a:xfrm>
+            <a:off x="3588803" y="316615"/>
+            <a:ext cx="2496261" cy="523220"/>
+          </a:xfrm>
+          <a:prstGeom prst="rect">
+            <a:avLst/>
+          </a:prstGeom>
+          <a:noFill/>
+        </p:spPr>
+        <p:txBody>
+          <a:bodyPr wrap="none" rtlCol="0">
+            <a:spAutoFit/>
+          </a:bodyPr>
+          <a:lstStyle/>
+          <a:p>
+            <a:r>
+              <a:rPr lang="en-US" sz="2800" b="1" dirty="0" smtClean="0"/>
+              <a:t>Task Structure </a:t>
+            </a:r>
+            <a:endParaRPr lang="fr-FR" sz="2800" b="1" dirty="0"/>
+          </a:p>
+        </p:txBody>
+      </p:sp>
+    </p:spTree>
+    <p:extLst>
+      <p:ext uri="{BB962C8B-B14F-4D97-AF65-F5344CB8AC3E}">
+        <p14:creationId xmlns:p14="http://schemas.microsoft.com/office/powerpoint/2010/main" val="2138760510"/>
+      </p:ext>
+    </p:extLst>
+  </p:cSld>
+  <p:clrMapOvr>
+    <a:masterClrMapping/>
+  </p:clrMapOvr>
+</p:sld>
+</file>
+
+<file path=ppt/slides/slide4.xml><?xml version="1.0" encoding="utf-8"?>
+<p:sld xmlns:a="http://schemas.openxmlformats.org/drawingml/2006/main" xmlns:r="http://schemas.openxmlformats.org/officeDocument/2006/relationships" xmlns:p="http://schemas.openxmlformats.org/presentationml/2006/main">
+  <p:cSld>
+    <p:spTree>
+      <p:nvGrpSpPr>
+        <p:cNvPr id="1" name=""/>
+        <p:cNvGrpSpPr/>
+        <p:nvPr/>
+      </p:nvGrpSpPr>
+      <p:grpSpPr>
+        <a:xfrm>
+          <a:off x="0" y="0"/>
+          <a:ext cx="0" cy="0"/>
+          <a:chOff x="0" y="0"/>
+          <a:chExt cx="0" cy="0"/>
+        </a:xfrm>
+      </p:grpSpPr>
+      <p:sp>
+        <p:nvSpPr>
+          <p:cNvPr id="2" name="Titre 1"/>
+          <p:cNvSpPr>
+            <a:spLocks noGrp="1"/>
+          </p:cNvSpPr>
+          <p:nvPr>
+            <p:ph type="title"/>
+          </p:nvPr>
+        </p:nvSpPr>
+        <p:spPr/>
+        <p:txBody>
+          <a:bodyPr/>
+          <a:lstStyle/>
+          <a:p>
+            <a:r>
+              <a:rPr lang="en-US" dirty="0" smtClean="0"/>
+              <a:t>Zoom in trial</a:t>
+            </a:r>
+            <a:endParaRPr lang="fr-FR" dirty="0"/>
+          </a:p>
+        </p:txBody>
+      </p:sp>
+      <p:sp>
+        <p:nvSpPr>
+          <p:cNvPr id="3" name="Espace réservé du contenu 2"/>
+          <p:cNvSpPr>
+            <a:spLocks noGrp="1"/>
+          </p:cNvSpPr>
+          <p:nvPr>
+            <p:ph idx="1"/>
+          </p:nvPr>
+        </p:nvSpPr>
+        <p:spPr>
+          <a:xfrm>
+            <a:off x="457200" y="1600201"/>
+            <a:ext cx="6419056" cy="2836912"/>
+          </a:xfrm>
+        </p:spPr>
+        <p:txBody>
+          <a:bodyPr/>
+          <a:lstStyle/>
+          <a:p>
+            <a:endParaRPr lang="fr-FR" dirty="0"/>
+          </a:p>
+        </p:txBody>
+      </p:sp>
+    </p:spTree>
+    <p:extLst>
+      <p:ext uri="{BB962C8B-B14F-4D97-AF65-F5344CB8AC3E}">
+        <p14:creationId xmlns:p14="http://schemas.microsoft.com/office/powerpoint/2010/main" val="3730290194"/>
+      </p:ext>
+    </p:extLst>
+  </p:cSld>
+  <p:clrMapOvr>
+    <a:masterClrMapping/>
+  </p:clrMapOvr>
+</p:sld>
+</file>
+
+<file path=ppt/slides/slide5.xml><?xml version="1.0" encoding="utf-8"?>
+<p:sld xmlns:a="http://schemas.openxmlformats.org/drawingml/2006/main" xmlns:r="http://schemas.openxmlformats.org/officeDocument/2006/relationships" xmlns:p="http://schemas.openxmlformats.org/presentationml/2006/main">
+  <p:cSld>
+    <p:spTree>
+      <p:nvGrpSpPr>
+        <p:cNvPr id="1" name=""/>
+        <p:cNvGrpSpPr/>
+        <p:nvPr/>
+      </p:nvGrpSpPr>
+      <p:grpSpPr>
+        <a:xfrm>
+          <a:off x="0" y="0"/>
+          <a:ext cx="0" cy="0"/>
+          <a:chOff x="0" y="0"/>
+          <a:chExt cx="0" cy="0"/>
+        </a:xfrm>
+      </p:grpSpPr>
+      <p:sp>
+        <p:nvSpPr>
+          <p:cNvPr id="2" name="Titre 1"/>
+          <p:cNvSpPr>
+            <a:spLocks noGrp="1"/>
+          </p:cNvSpPr>
+          <p:nvPr>
+            <p:ph type="ctrTitle"/>
+          </p:nvPr>
+        </p:nvSpPr>
+        <p:spPr/>
+        <p:txBody>
+          <a:bodyPr/>
+          <a:lstStyle/>
+          <a:p>
+            <a:r>
+              <a:rPr lang="en-US" dirty="0" smtClean="0"/>
+              <a:t>Simulation </a:t>
+            </a:r>
+            <a:r>
+              <a:rPr lang="en-US" dirty="0" smtClean="0"/>
+              <a:t>of the task</a:t>
+            </a:r>
+            <a:endParaRPr lang="fr-FR" dirty="0"/>
+          </a:p>
+        </p:txBody>
+      </p:sp>
+      <p:sp>
+        <p:nvSpPr>
+          <p:cNvPr id="3" name="Sous-titre 2"/>
+          <p:cNvSpPr>
+            <a:spLocks noGrp="1"/>
+          </p:cNvSpPr>
+          <p:nvPr>
+            <p:ph type="subTitle" idx="1"/>
+          </p:nvPr>
+        </p:nvSpPr>
+        <p:spPr/>
+        <p:txBody>
+          <a:bodyPr/>
+          <a:lstStyle/>
+          <a:p>
+            <a:endParaRPr lang="fr-FR" dirty="0"/>
+          </a:p>
+        </p:txBody>
+      </p:sp>
+    </p:spTree>
+    <p:extLst>
+      <p:ext uri="{BB962C8B-B14F-4D97-AF65-F5344CB8AC3E}">
+        <p14:creationId xmlns:p14="http://schemas.microsoft.com/office/powerpoint/2010/main" val="2925767805"/>
+      </p:ext>
+    </p:extLst>
+  </p:cSld>
+  <p:clrMapOvr>
+    <a:masterClrMapping/>
+  </p:clrMapOvr>
+  <p:timing>
+    <p:tnLst>
+      <p:par>
+        <p:cTn id="1" dur="indefinite" restart="never" nodeType="tmRoot"/>
+      </p:par>
+    </p:tnLst>
+  </p:timing>
+</p:sld>
+</file>
+
+<file path=ppt/slides/slide6.xml><?xml version="1.0" encoding="utf-8"?>
+<p:sld xmlns:a="http://schemas.openxmlformats.org/drawingml/2006/main" xmlns:r="http://schemas.openxmlformats.org/officeDocument/2006/relationships" xmlns:p="http://schemas.openxmlformats.org/presentationml/2006/main">
+  <p:cSld>
+    <p:spTree>
+      <p:nvGrpSpPr>
+        <p:cNvPr id="1" name=""/>
+        <p:cNvGrpSpPr/>
+        <p:nvPr/>
+      </p:nvGrpSpPr>
+      <p:grpSpPr>
+        <a:xfrm>
+          <a:off x="0" y="0"/>
+          <a:ext cx="0" cy="0"/>
+          <a:chOff x="0" y="0"/>
+          <a:chExt cx="0" cy="0"/>
+        </a:xfrm>
+      </p:grpSpPr>
+      <p:sp>
+        <p:nvSpPr>
+          <p:cNvPr id="2" name="Titre 1"/>
+          <p:cNvSpPr>
+            <a:spLocks noGrp="1"/>
+          </p:cNvSpPr>
+          <p:nvPr>
+            <p:ph type="title"/>
+          </p:nvPr>
+        </p:nvSpPr>
+        <p:spPr/>
+        <p:txBody>
+          <a:bodyPr/>
+          <a:lstStyle/>
+          <a:p>
+            <a:r>
+              <a:rPr lang="en-US" dirty="0" smtClean="0"/>
               <a:t>Rating simulation</a:t>
             </a:r>
             <a:endParaRPr lang="fr-FR" dirty="0"/>
@@ -4012,7 +6034,7 @@
 </p:sld>
 </file>
 
-<file path=ppt/slides/slide3.xml><?xml version="1.0" encoding="utf-8"?>
+<file path=ppt/slides/slide7.xml><?xml version="1.0" encoding="utf-8"?>
 <p:sld xmlns:a="http://schemas.openxmlformats.org/drawingml/2006/main" xmlns:r="http://schemas.openxmlformats.org/officeDocument/2006/relationships" xmlns:p="http://schemas.openxmlformats.org/presentationml/2006/main">
   <p:cSld>
     <p:spTree>
@@ -4128,7 +6150,7 @@
 </p:sld>
 </file>
 
-<file path=ppt/slides/slide4.xml><?xml version="1.0" encoding="utf-8"?>
+<file path=ppt/slides/slide8.xml><?xml version="1.0" encoding="utf-8"?>
 <p:sld xmlns:a="http://schemas.openxmlformats.org/drawingml/2006/main" xmlns:r="http://schemas.openxmlformats.org/officeDocument/2006/relationships" xmlns:p="http://schemas.openxmlformats.org/presentationml/2006/main">
   <p:cSld>
     <p:spTree>
@@ -4244,7 +6266,7 @@
 </p:sld>
 </file>
 
-<file path=ppt/slides/slide5.xml><?xml version="1.0" encoding="utf-8"?>
+<file path=ppt/slides/slide9.xml><?xml version="1.0" encoding="utf-8"?>
 <p:sld xmlns:a="http://schemas.openxmlformats.org/drawingml/2006/main" xmlns:r="http://schemas.openxmlformats.org/officeDocument/2006/relationships" xmlns:p="http://schemas.openxmlformats.org/presentationml/2006/main">
   <p:cSld>
     <p:spTree>
@@ -4344,477 +6366,6 @@
     <p:extLst>
       <p:ext uri="{BB962C8B-B14F-4D97-AF65-F5344CB8AC3E}">
         <p14:creationId xmlns:p14="http://schemas.microsoft.com/office/powerpoint/2010/main" val="1087409294"/>
-      </p:ext>
-    </p:extLst>
-  </p:cSld>
-  <p:clrMapOvr>
-    <a:masterClrMapping/>
-  </p:clrMapOvr>
-  <p:timing>
-    <p:tnLst>
-      <p:par>
-        <p:cTn id="1" dur="indefinite" restart="never" nodeType="tmRoot"/>
-      </p:par>
-    </p:tnLst>
-  </p:timing>
-</p:sld>
-</file>
-
-<file path=ppt/slides/slide6.xml><?xml version="1.0" encoding="utf-8"?>
-<p:sld xmlns:a="http://schemas.openxmlformats.org/drawingml/2006/main" xmlns:r="http://schemas.openxmlformats.org/officeDocument/2006/relationships" xmlns:p="http://schemas.openxmlformats.org/presentationml/2006/main">
-  <p:cSld>
-    <p:spTree>
-      <p:nvGrpSpPr>
-        <p:cNvPr id="1" name=""/>
-        <p:cNvGrpSpPr/>
-        <p:nvPr/>
-      </p:nvGrpSpPr>
-      <p:grpSpPr>
-        <a:xfrm>
-          <a:off x="0" y="0"/>
-          <a:ext cx="0" cy="0"/>
-          <a:chOff x="0" y="0"/>
-          <a:chExt cx="0" cy="0"/>
-        </a:xfrm>
-      </p:grpSpPr>
-      <p:sp>
-        <p:nvSpPr>
-          <p:cNvPr id="2" name="Titre 1"/>
-          <p:cNvSpPr>
-            <a:spLocks noGrp="1"/>
-          </p:cNvSpPr>
-          <p:nvPr>
-            <p:ph type="title"/>
-          </p:nvPr>
-        </p:nvSpPr>
-        <p:spPr>
-          <a:xfrm>
-            <a:off x="2483768" y="6021288"/>
-            <a:ext cx="6563072" cy="706090"/>
-          </a:xfrm>
-        </p:spPr>
-        <p:txBody>
-          <a:bodyPr>
-            <a:normAutofit/>
-          </a:bodyPr>
-          <a:lstStyle/>
-          <a:p>
-            <a:r>
-              <a:rPr lang="en-US" sz="2400" dirty="0" smtClean="0"/>
-              <a:t>Music (144 items*24 subjects, AL, </a:t>
-            </a:r>
-            <a:r>
-              <a:rPr lang="en-US" sz="2400" dirty="0" err="1" smtClean="0"/>
-              <a:t>def</a:t>
-            </a:r>
-            <a:r>
-              <a:rPr lang="en-US" sz="2400" dirty="0" smtClean="0"/>
-              <a:t> task)</a:t>
-            </a:r>
-            <a:endParaRPr lang="fr-FR" sz="2400" dirty="0"/>
-          </a:p>
-        </p:txBody>
-      </p:sp>
-      <p:pic>
-        <p:nvPicPr>
-          <p:cNvPr id="4098" name="Picture 2" descr="C:\Users\chen.hu\Dropbox\PHD\SDM_behavior\5.tif"/>
-          <p:cNvPicPr>
-            <a:picLocks noChangeAspect="1" noChangeArrowheads="1"/>
-          </p:cNvPicPr>
-          <p:nvPr/>
-        </p:nvPicPr>
-        <p:blipFill>
-          <a:blip r:embed="rId2">
-            <a:extLst>
-              <a:ext uri="{28A0092B-C50C-407E-A947-70E740481C1C}">
-                <a14:useLocalDpi xmlns:a14="http://schemas.microsoft.com/office/drawing/2010/main" val="0"/>
-              </a:ext>
-            </a:extLst>
-          </a:blip>
-          <a:srcRect/>
-          <a:stretch>
-            <a:fillRect/>
-          </a:stretch>
-        </p:blipFill>
-        <p:spPr bwMode="auto">
-          <a:xfrm>
-            <a:off x="2342191" y="1628800"/>
-            <a:ext cx="5334000" cy="4000500"/>
-          </a:xfrm>
-          <a:prstGeom prst="rect">
-            <a:avLst/>
-          </a:prstGeom>
-          <a:noFill/>
-          <a:extLst>
-            <a:ext uri="{909E8E84-426E-40DD-AFC4-6F175D3DCCD1}">
-              <a14:hiddenFill xmlns:a14="http://schemas.microsoft.com/office/drawing/2010/main">
-                <a:solidFill>
-                  <a:srgbClr val="FFFFFF"/>
-                </a:solidFill>
-              </a14:hiddenFill>
-            </a:ext>
-          </a:extLst>
-        </p:spPr>
-      </p:pic>
-    </p:spTree>
-    <p:extLst>
-      <p:ext uri="{BB962C8B-B14F-4D97-AF65-F5344CB8AC3E}">
-        <p14:creationId xmlns:p14="http://schemas.microsoft.com/office/powerpoint/2010/main" val="385233452"/>
-      </p:ext>
-    </p:extLst>
-  </p:cSld>
-  <p:clrMapOvr>
-    <a:masterClrMapping/>
-  </p:clrMapOvr>
-  <p:timing>
-    <p:tnLst>
-      <p:par>
-        <p:cTn id="1" dur="indefinite" restart="never" nodeType="tmRoot"/>
-      </p:par>
-    </p:tnLst>
-  </p:timing>
-</p:sld>
-</file>
-
-<file path=ppt/slides/slide7.xml><?xml version="1.0" encoding="utf-8"?>
-<p:sld xmlns:a="http://schemas.openxmlformats.org/drawingml/2006/main" xmlns:r="http://schemas.openxmlformats.org/officeDocument/2006/relationships" xmlns:p="http://schemas.openxmlformats.org/presentationml/2006/main">
-  <p:cSld>
-    <p:spTree>
-      <p:nvGrpSpPr>
-        <p:cNvPr id="1" name=""/>
-        <p:cNvGrpSpPr/>
-        <p:nvPr/>
-      </p:nvGrpSpPr>
-      <p:grpSpPr>
-        <a:xfrm>
-          <a:off x="0" y="0"/>
-          <a:ext cx="0" cy="0"/>
-          <a:chOff x="0" y="0"/>
-          <a:chExt cx="0" cy="0"/>
-        </a:xfrm>
-      </p:grpSpPr>
-      <p:sp>
-        <p:nvSpPr>
-          <p:cNvPr id="2" name="Titre 1"/>
-          <p:cNvSpPr>
-            <a:spLocks noGrp="1"/>
-          </p:cNvSpPr>
-          <p:nvPr>
-            <p:ph type="title"/>
-          </p:nvPr>
-        </p:nvSpPr>
-        <p:spPr>
-          <a:xfrm>
-            <a:off x="2483768" y="6021288"/>
-            <a:ext cx="6563072" cy="706090"/>
-          </a:xfrm>
-        </p:spPr>
-        <p:txBody>
-          <a:bodyPr>
-            <a:normAutofit/>
-          </a:bodyPr>
-          <a:lstStyle/>
-          <a:p>
-            <a:r>
-              <a:rPr lang="en-US" sz="2400" dirty="0"/>
-              <a:t>R</a:t>
-            </a:r>
-            <a:r>
-              <a:rPr lang="en-US" sz="2400" dirty="0" smtClean="0"/>
-              <a:t>eading (144 items, AL, </a:t>
-            </a:r>
-            <a:r>
-              <a:rPr lang="en-US" sz="2400" dirty="0" err="1" smtClean="0"/>
-              <a:t>def</a:t>
-            </a:r>
-            <a:r>
-              <a:rPr lang="en-US" sz="2400" dirty="0" smtClean="0"/>
-              <a:t> task)</a:t>
-            </a:r>
-            <a:endParaRPr lang="fr-FR" sz="2400" dirty="0"/>
-          </a:p>
-        </p:txBody>
-      </p:sp>
-      <p:pic>
-        <p:nvPicPr>
-          <p:cNvPr id="1027" name="Picture 3" descr="C:\Users\chen.hu\Desktop\1.tif"/>
-          <p:cNvPicPr>
-            <a:picLocks noChangeAspect="1" noChangeArrowheads="1"/>
-          </p:cNvPicPr>
-          <p:nvPr/>
-        </p:nvPicPr>
-        <p:blipFill>
-          <a:blip r:embed="rId2">
-            <a:extLst>
-              <a:ext uri="{28A0092B-C50C-407E-A947-70E740481C1C}">
-                <a14:useLocalDpi xmlns:a14="http://schemas.microsoft.com/office/drawing/2010/main" val="0"/>
-              </a:ext>
-            </a:extLst>
-          </a:blip>
-          <a:srcRect/>
-          <a:stretch>
-            <a:fillRect/>
-          </a:stretch>
-        </p:blipFill>
-        <p:spPr bwMode="auto">
-          <a:xfrm>
-            <a:off x="179512" y="148304"/>
-            <a:ext cx="8856984" cy="6063878"/>
-          </a:xfrm>
-          <a:prstGeom prst="rect">
-            <a:avLst/>
-          </a:prstGeom>
-          <a:noFill/>
-          <a:extLst>
-            <a:ext uri="{909E8E84-426E-40DD-AFC4-6F175D3DCCD1}">
-              <a14:hiddenFill xmlns:a14="http://schemas.microsoft.com/office/drawing/2010/main">
-                <a:solidFill>
-                  <a:srgbClr val="FFFFFF"/>
-                </a:solidFill>
-              </a14:hiddenFill>
-            </a:ext>
-          </a:extLst>
-        </p:spPr>
-      </p:pic>
-    </p:spTree>
-    <p:extLst>
-      <p:ext uri="{BB962C8B-B14F-4D97-AF65-F5344CB8AC3E}">
-        <p14:creationId xmlns:p14="http://schemas.microsoft.com/office/powerpoint/2010/main" val="1115932389"/>
-      </p:ext>
-    </p:extLst>
-  </p:cSld>
-  <p:clrMapOvr>
-    <a:masterClrMapping/>
-  </p:clrMapOvr>
-  <p:timing>
-    <p:tnLst>
-      <p:par>
-        <p:cTn id="1" dur="indefinite" restart="never" nodeType="tmRoot"/>
-      </p:par>
-    </p:tnLst>
-  </p:timing>
-</p:sld>
-</file>
-
-<file path=ppt/slides/slide8.xml><?xml version="1.0" encoding="utf-8"?>
-<p:sld xmlns:a="http://schemas.openxmlformats.org/drawingml/2006/main" xmlns:r="http://schemas.openxmlformats.org/officeDocument/2006/relationships" xmlns:p="http://schemas.openxmlformats.org/presentationml/2006/main">
-  <p:cSld>
-    <p:spTree>
-      <p:nvGrpSpPr>
-        <p:cNvPr id="1" name=""/>
-        <p:cNvGrpSpPr/>
-        <p:nvPr/>
-      </p:nvGrpSpPr>
-      <p:grpSpPr>
-        <a:xfrm>
-          <a:off x="0" y="0"/>
-          <a:ext cx="0" cy="0"/>
-          <a:chOff x="0" y="0"/>
-          <a:chExt cx="0" cy="0"/>
-        </a:xfrm>
-      </p:grpSpPr>
-      <p:sp>
-        <p:nvSpPr>
-          <p:cNvPr id="2" name="Titre 1"/>
-          <p:cNvSpPr>
-            <a:spLocks noGrp="1"/>
-          </p:cNvSpPr>
-          <p:nvPr>
-            <p:ph type="title"/>
-          </p:nvPr>
-        </p:nvSpPr>
-        <p:spPr>
-          <a:xfrm>
-            <a:off x="2483768" y="6021288"/>
-            <a:ext cx="6563072" cy="706090"/>
-          </a:xfrm>
-        </p:spPr>
-        <p:txBody>
-          <a:bodyPr>
-            <a:normAutofit/>
-          </a:bodyPr>
-          <a:lstStyle/>
-          <a:p>
-            <a:r>
-              <a:rPr lang="en-US" sz="2400" dirty="0" smtClean="0"/>
-              <a:t>Reading (144 items*24 subjects, AL, </a:t>
-            </a:r>
-            <a:r>
-              <a:rPr lang="en-US" sz="2400" dirty="0" err="1" smtClean="0"/>
-              <a:t>def</a:t>
-            </a:r>
-            <a:r>
-              <a:rPr lang="en-US" sz="2400" dirty="0" smtClean="0"/>
-              <a:t> task)</a:t>
-            </a:r>
-            <a:endParaRPr lang="fr-FR" sz="2400" dirty="0"/>
-          </a:p>
-        </p:txBody>
-      </p:sp>
-      <p:pic>
-        <p:nvPicPr>
-          <p:cNvPr id="5122" name="Picture 2" descr="C:\Users\chen.hu\Desktop\6.tif"/>
-          <p:cNvPicPr>
-            <a:picLocks noChangeAspect="1" noChangeArrowheads="1"/>
-          </p:cNvPicPr>
-          <p:nvPr/>
-        </p:nvPicPr>
-        <p:blipFill>
-          <a:blip r:embed="rId2">
-            <a:extLst>
-              <a:ext uri="{28A0092B-C50C-407E-A947-70E740481C1C}">
-                <a14:useLocalDpi xmlns:a14="http://schemas.microsoft.com/office/drawing/2010/main" val="0"/>
-              </a:ext>
-            </a:extLst>
-          </a:blip>
-          <a:srcRect/>
-          <a:stretch>
-            <a:fillRect/>
-          </a:stretch>
-        </p:blipFill>
-        <p:spPr bwMode="auto">
-          <a:xfrm>
-            <a:off x="1691680" y="980728"/>
-            <a:ext cx="5334000" cy="4000500"/>
-          </a:xfrm>
-          <a:prstGeom prst="rect">
-            <a:avLst/>
-          </a:prstGeom>
-          <a:noFill/>
-          <a:extLst>
-            <a:ext uri="{909E8E84-426E-40DD-AFC4-6F175D3DCCD1}">
-              <a14:hiddenFill xmlns:a14="http://schemas.microsoft.com/office/drawing/2010/main">
-                <a:solidFill>
-                  <a:srgbClr val="FFFFFF"/>
-                </a:solidFill>
-              </a14:hiddenFill>
-            </a:ext>
-          </a:extLst>
-        </p:spPr>
-      </p:pic>
-    </p:spTree>
-    <p:extLst>
-      <p:ext uri="{BB962C8B-B14F-4D97-AF65-F5344CB8AC3E}">
-        <p14:creationId xmlns:p14="http://schemas.microsoft.com/office/powerpoint/2010/main" val="3672124066"/>
-      </p:ext>
-    </p:extLst>
-  </p:cSld>
-  <p:clrMapOvr>
-    <a:masterClrMapping/>
-  </p:clrMapOvr>
-  <p:timing>
-    <p:tnLst>
-      <p:par>
-        <p:cTn id="1" dur="indefinite" restart="never" nodeType="tmRoot"/>
-      </p:par>
-    </p:tnLst>
-  </p:timing>
-</p:sld>
-</file>
-
-<file path=ppt/slides/slide9.xml><?xml version="1.0" encoding="utf-8"?>
-<p:sld xmlns:a="http://schemas.openxmlformats.org/drawingml/2006/main" xmlns:r="http://schemas.openxmlformats.org/officeDocument/2006/relationships" xmlns:p="http://schemas.openxmlformats.org/presentationml/2006/main">
-  <p:cSld>
-    <p:spTree>
-      <p:nvGrpSpPr>
-        <p:cNvPr id="1" name=""/>
-        <p:cNvGrpSpPr/>
-        <p:nvPr/>
-      </p:nvGrpSpPr>
-      <p:grpSpPr>
-        <a:xfrm>
-          <a:off x="0" y="0"/>
-          <a:ext cx="0" cy="0"/>
-          <a:chOff x="0" y="0"/>
-          <a:chExt cx="0" cy="0"/>
-        </a:xfrm>
-      </p:grpSpPr>
-      <p:sp>
-        <p:nvSpPr>
-          <p:cNvPr id="3" name="Espace réservé du contenu 2"/>
-          <p:cNvSpPr>
-            <a:spLocks noGrp="1"/>
-          </p:cNvSpPr>
-          <p:nvPr>
-            <p:ph idx="1"/>
-          </p:nvPr>
-        </p:nvSpPr>
-        <p:spPr/>
-        <p:txBody>
-          <a:bodyPr>
-            <a:normAutofit/>
-          </a:bodyPr>
-          <a:lstStyle/>
-          <a:p>
-            <a:r>
-              <a:rPr lang="en-US" sz="2400" dirty="0" smtClean="0"/>
-              <a:t>Simulate the rating as uniformly distributed random integers from 0 to 100.</a:t>
-            </a:r>
-          </a:p>
-          <a:p>
-            <a:r>
-              <a:rPr lang="en-US" sz="2400" dirty="0" smtClean="0"/>
-              <a:t>Do it for 10 categories * 86 items</a:t>
-            </a:r>
-          </a:p>
-          <a:p>
-            <a:r>
-              <a:rPr lang="en-US" sz="2400" dirty="0" smtClean="0"/>
-              <a:t>24 subjects</a:t>
-            </a:r>
-          </a:p>
-          <a:p>
-            <a:r>
-              <a:rPr lang="en-US" sz="2400" dirty="0" smtClean="0"/>
-              <a:t>Then assign the ratings to each trial.</a:t>
-            </a:r>
-          </a:p>
-          <a:p>
-            <a:r>
-              <a:rPr lang="en-US" sz="2400" dirty="0" smtClean="0"/>
-              <a:t>Simulate the choice, need to know: </a:t>
-            </a:r>
-          </a:p>
-          <a:p>
-            <a:pPr lvl="1"/>
-            <a:r>
-              <a:rPr lang="en-US" sz="2000" dirty="0" smtClean="0"/>
-              <a:t>ratings with orders in each trial</a:t>
-            </a:r>
-          </a:p>
-          <a:p>
-            <a:pPr lvl="1"/>
-            <a:r>
-              <a:rPr lang="en-US" sz="2000" dirty="0" smtClean="0"/>
-              <a:t>Compute the probability of choosing each of the option</a:t>
-            </a:r>
-          </a:p>
-          <a:p>
-            <a:pPr lvl="1"/>
-            <a:r>
-              <a:rPr lang="en-US" sz="2000" dirty="0" smtClean="0"/>
-              <a:t>Using the beta from the previous study of DV on choice (weight = 0.231)</a:t>
-            </a:r>
-          </a:p>
-          <a:p>
-            <a:pPr lvl="1"/>
-            <a:r>
-              <a:rPr lang="en-US" sz="2000" dirty="0" smtClean="0"/>
-              <a:t>Calculate the choices according to the probability</a:t>
-            </a:r>
-          </a:p>
-          <a:p>
-            <a:pPr marL="457200" lvl="1" indent="0">
-              <a:buNone/>
-            </a:pPr>
-            <a:endParaRPr lang="en-US" sz="2000" dirty="0" smtClean="0"/>
-          </a:p>
-        </p:txBody>
-      </p:sp>
-    </p:spTree>
-    <p:extLst>
-      <p:ext uri="{BB962C8B-B14F-4D97-AF65-F5344CB8AC3E}">
-        <p14:creationId xmlns:p14="http://schemas.microsoft.com/office/powerpoint/2010/main" val="2088089718"/>
       </p:ext>
     </p:extLst>
   </p:cSld>
